--- a/documents/Managing System/MetricsAndQoS.pptx
+++ b/documents/Managing System/MetricsAndQoS.pptx
@@ -106,6 +106,11 @@
       </a:defRPr>
     </a:lvl9pPr>
   </p:defaultTextStyle>
+  <p:extLst>
+    <p:ext uri="{EFAFB233-063F-42B5-8137-9DF3F51BA10A}">
+      <p15:sldGuideLst xmlns:p15="http://schemas.microsoft.com/office/powerpoint/2012/main"/>
+    </p:ext>
+  </p:extLst>
 </p:presentation>
 </file>
 
@@ -1114,7 +1119,7 @@
   <dgm:whole/>
   <dgm:extLst>
     <a:ext uri="http://schemas.microsoft.com/office/drawing/2008/diagram">
-      <dsp:dataModelExt xmlns:dsp="http://schemas.microsoft.com/office/drawing/2008/diagram" relId="rId8" minVer="http://schemas.openxmlformats.org/drawingml/2006/diagram"/>
+      <dsp:dataModelExt xmlns:dsp="http://schemas.microsoft.com/office/drawing/2008/diagram" relId="rId9" minVer="http://schemas.openxmlformats.org/drawingml/2006/diagram"/>
     </a:ext>
   </dgm:extLst>
 </dgm:dataModel>
@@ -3106,7 +3111,7 @@
           <a:p>
             <a:fld id="{62C199F6-8AFD-9248-B232-FB99D0FCDA97}" type="datetimeFigureOut">
               <a:rPr lang="en-GB" smtClean="0"/>
-              <a:t>22/10/2022</a:t>
+              <a:t>24/10/2022</a:t>
             </a:fld>
             <a:endParaRPr lang="en-GB" dirty="0"/>
           </a:p>
@@ -3306,7 +3311,7 @@
           <a:p>
             <a:fld id="{62C199F6-8AFD-9248-B232-FB99D0FCDA97}" type="datetimeFigureOut">
               <a:rPr lang="en-GB" smtClean="0"/>
-              <a:t>22/10/2022</a:t>
+              <a:t>24/10/2022</a:t>
             </a:fld>
             <a:endParaRPr lang="en-GB" dirty="0"/>
           </a:p>
@@ -3516,7 +3521,7 @@
           <a:p>
             <a:fld id="{62C199F6-8AFD-9248-B232-FB99D0FCDA97}" type="datetimeFigureOut">
               <a:rPr lang="en-GB" smtClean="0"/>
-              <a:t>22/10/2022</a:t>
+              <a:t>24/10/2022</a:t>
             </a:fld>
             <a:endParaRPr lang="en-GB" dirty="0"/>
           </a:p>
@@ -3716,7 +3721,7 @@
           <a:p>
             <a:fld id="{62C199F6-8AFD-9248-B232-FB99D0FCDA97}" type="datetimeFigureOut">
               <a:rPr lang="en-GB" smtClean="0"/>
-              <a:t>22/10/2022</a:t>
+              <a:t>24/10/2022</a:t>
             </a:fld>
             <a:endParaRPr lang="en-GB" dirty="0"/>
           </a:p>
@@ -3992,7 +3997,7 @@
           <a:p>
             <a:fld id="{62C199F6-8AFD-9248-B232-FB99D0FCDA97}" type="datetimeFigureOut">
               <a:rPr lang="en-GB" smtClean="0"/>
-              <a:t>22/10/2022</a:t>
+              <a:t>24/10/2022</a:t>
             </a:fld>
             <a:endParaRPr lang="en-GB" dirty="0"/>
           </a:p>
@@ -4260,7 +4265,7 @@
           <a:p>
             <a:fld id="{62C199F6-8AFD-9248-B232-FB99D0FCDA97}" type="datetimeFigureOut">
               <a:rPr lang="en-GB" smtClean="0"/>
-              <a:t>22/10/2022</a:t>
+              <a:t>24/10/2022</a:t>
             </a:fld>
             <a:endParaRPr lang="en-GB" dirty="0"/>
           </a:p>
@@ -4675,7 +4680,7 @@
           <a:p>
             <a:fld id="{62C199F6-8AFD-9248-B232-FB99D0FCDA97}" type="datetimeFigureOut">
               <a:rPr lang="en-GB" smtClean="0"/>
-              <a:t>22/10/2022</a:t>
+              <a:t>24/10/2022</a:t>
             </a:fld>
             <a:endParaRPr lang="en-GB" dirty="0"/>
           </a:p>
@@ -4817,7 +4822,7 @@
           <a:p>
             <a:fld id="{62C199F6-8AFD-9248-B232-FB99D0FCDA97}" type="datetimeFigureOut">
               <a:rPr lang="en-GB" smtClean="0"/>
-              <a:t>22/10/2022</a:t>
+              <a:t>24/10/2022</a:t>
             </a:fld>
             <a:endParaRPr lang="en-GB" dirty="0"/>
           </a:p>
@@ -4930,7 +4935,7 @@
           <a:p>
             <a:fld id="{62C199F6-8AFD-9248-B232-FB99D0FCDA97}" type="datetimeFigureOut">
               <a:rPr lang="en-GB" smtClean="0"/>
-              <a:t>22/10/2022</a:t>
+              <a:t>24/10/2022</a:t>
             </a:fld>
             <a:endParaRPr lang="en-GB" dirty="0"/>
           </a:p>
@@ -5243,7 +5248,7 @@
           <a:p>
             <a:fld id="{62C199F6-8AFD-9248-B232-FB99D0FCDA97}" type="datetimeFigureOut">
               <a:rPr lang="en-GB" smtClean="0"/>
-              <a:t>22/10/2022</a:t>
+              <a:t>24/10/2022</a:t>
             </a:fld>
             <a:endParaRPr lang="en-GB" dirty="0"/>
           </a:p>
@@ -5532,7 +5537,7 @@
           <a:p>
             <a:fld id="{62C199F6-8AFD-9248-B232-FB99D0FCDA97}" type="datetimeFigureOut">
               <a:rPr lang="en-GB" smtClean="0"/>
-              <a:t>22/10/2022</a:t>
+              <a:t>24/10/2022</a:t>
             </a:fld>
             <a:endParaRPr lang="en-GB" dirty="0"/>
           </a:p>
@@ -5775,7 +5780,7 @@
           <a:p>
             <a:fld id="{62C199F6-8AFD-9248-B232-FB99D0FCDA97}" type="datetimeFigureOut">
               <a:rPr lang="en-GB" smtClean="0"/>
-              <a:t>22/10/2022</a:t>
+              <a:t>24/10/2022</a:t>
             </a:fld>
             <a:endParaRPr lang="en-GB" dirty="0"/>
           </a:p>
@@ -6209,7 +6214,7 @@
             <p:spPr>
               <a:xfrm>
                 <a:off x="436215" y="806676"/>
-                <a:ext cx="3083215" cy="215444"/>
+                <a:ext cx="3370153" cy="169277"/>
               </a:xfrm>
               <a:prstGeom prst="rect">
                 <a:avLst/>
@@ -6230,57 +6235,117 @@
                     </m:oMathParaPr>
                     <m:oMath xmlns:m="http://schemas.openxmlformats.org/officeDocument/2006/math">
                       <m:r>
-                        <a:rPr lang="it-IT" sz="1400" b="0" i="1" smtClean="0">
+                        <a:rPr lang="it-IT" sz="1100" b="0" i="1" smtClean="0">
                           <a:latin typeface="Cambria Math" panose="02040503050406030204" pitchFamily="18" charset="0"/>
                         </a:rPr>
                         <m:t>∀ </m:t>
                       </m:r>
                       <m:r>
-                        <a:rPr lang="it-IT" sz="1400" b="0" i="1" smtClean="0">
+                        <a:rPr lang="it-IT" sz="1100" b="0" i="1" smtClean="0">
                           <a:latin typeface="Cambria Math" panose="02040503050406030204" pitchFamily="18" charset="0"/>
                         </a:rPr>
                         <m:t>𝑖𝑛𝑠𝑡𝑎𝑛𝑐𝑒</m:t>
                       </m:r>
                       <m:r>
-                        <a:rPr lang="it-IT" sz="1400" b="0" i="1" smtClean="0">
+                        <a:rPr lang="it-IT" sz="1100" b="0" i="1" smtClean="0">
+                          <a:latin typeface="Cambria Math" panose="02040503050406030204" pitchFamily="18" charset="0"/>
+                        </a:rPr>
+                        <m:t> </m:t>
+                      </m:r>
+                      <m:r>
+                        <a:rPr lang="it-IT" sz="1100" b="0" i="1" smtClean="0">
+                          <a:latin typeface="Cambria Math" panose="02040503050406030204" pitchFamily="18" charset="0"/>
+                        </a:rPr>
+                        <m:t>𝑖</m:t>
+                      </m:r>
+                      <m:r>
+                        <a:rPr lang="it-IT" sz="1100" b="0" i="1" smtClean="0">
                           <a:latin typeface="Cambria Math" panose="02040503050406030204" pitchFamily="18" charset="0"/>
                         </a:rPr>
                         <m:t> | </m:t>
                       </m:r>
                       <m:r>
-                        <a:rPr lang="it-IT" sz="1400" b="0" i="1" smtClean="0">
+                        <a:rPr lang="it-IT" sz="1100" b="0" i="1" smtClean="0">
                           <a:latin typeface="Cambria Math" panose="02040503050406030204" pitchFamily="18" charset="0"/>
                         </a:rPr>
-                        <m:t>𝑖𝑛𝑠𝑡𝑎𝑛𝑐𝑒𝑆𝑡𝑎𝑡𝑢𝑠</m:t>
+                        <m:t>𝑖</m:t>
                       </m:r>
                       <m:r>
-                        <a:rPr lang="it-IT" sz="1400" b="0" i="1" smtClean="0">
+                        <a:rPr lang="it-IT" sz="1100" b="0" i="1" smtClean="0">
                           <a:latin typeface="Cambria Math" panose="02040503050406030204" pitchFamily="18" charset="0"/>
                         </a:rPr>
                         <m:t> </m:t>
                       </m:r>
                       <m:r>
-                        <a:rPr lang="it-IT" sz="1400" b="0" i="1" smtClean="0">
+                        <a:rPr lang="it-IT" sz="1100" b="0" i="1" smtClean="0">
                           <a:latin typeface="Cambria Math" panose="02040503050406030204" pitchFamily="18" charset="0"/>
                         </a:rPr>
                         <m:t>𝑖𝑠</m:t>
                       </m:r>
                       <m:r>
-                        <a:rPr lang="it-IT" sz="1400" b="0" i="1" smtClean="0">
+                        <a:rPr lang="it-IT" sz="1100" b="0" i="1" smtClean="0">
                           <a:latin typeface="Cambria Math" panose="02040503050406030204" pitchFamily="18" charset="0"/>
                         </a:rPr>
                         <m:t> </m:t>
                       </m:r>
                       <m:r>
-                        <a:rPr lang="it-IT" sz="1400" b="0" i="1" smtClean="0">
+                        <a:rPr lang="it-IT" sz="1100" b="0" i="1" smtClean="0">
                           <a:latin typeface="Cambria Math" panose="02040503050406030204" pitchFamily="18" charset="0"/>
                         </a:rPr>
-                        <m:t>𝐴𝐶𝑇𝐼𝑉𝐸</m:t>
+                        <m:t>𝑟𝑒𝑔𝑖𝑠𝑡𝑒𝑟𝑒𝑑</m:t>
+                      </m:r>
+                      <m:r>
+                        <a:rPr lang="it-IT" sz="1100" b="0" i="1" smtClean="0">
+                          <a:latin typeface="Cambria Math" panose="02040503050406030204" pitchFamily="18" charset="0"/>
+                        </a:rPr>
+                        <m:t> </m:t>
+                      </m:r>
+                      <m:r>
+                        <a:rPr lang="it-IT" sz="1100" b="0" i="1" smtClean="0">
+                          <a:latin typeface="Cambria Math" panose="02040503050406030204" pitchFamily="18" charset="0"/>
+                        </a:rPr>
+                        <m:t>𝑡𝑜</m:t>
+                      </m:r>
+                      <m:r>
+                        <a:rPr lang="it-IT" sz="1100" b="0" i="1" smtClean="0">
+                          <a:latin typeface="Cambria Math" panose="02040503050406030204" pitchFamily="18" charset="0"/>
+                        </a:rPr>
+                        <m:t> </m:t>
+                      </m:r>
+                      <m:r>
+                        <a:rPr lang="it-IT" sz="1100" b="0" i="1" smtClean="0">
+                          <a:latin typeface="Cambria Math" panose="02040503050406030204" pitchFamily="18" charset="0"/>
+                        </a:rPr>
+                        <m:t>𝑡h𝑒</m:t>
+                      </m:r>
+                      <m:r>
+                        <a:rPr lang="it-IT" sz="1100" b="0" i="1" smtClean="0">
+                          <a:latin typeface="Cambria Math" panose="02040503050406030204" pitchFamily="18" charset="0"/>
+                        </a:rPr>
+                        <m:t> </m:t>
+                      </m:r>
+                      <m:r>
+                        <a:rPr lang="it-IT" sz="1100" b="0" i="1" smtClean="0">
+                          <a:latin typeface="Cambria Math" panose="02040503050406030204" pitchFamily="18" charset="0"/>
+                        </a:rPr>
+                        <m:t>𝐷𝑖𝑠𝑐𝑜𝑣𝑒𝑟𝑦</m:t>
+                      </m:r>
+                      <m:r>
+                        <a:rPr lang="it-IT" sz="1100" b="0" i="1" smtClean="0">
+                          <a:latin typeface="Cambria Math" panose="02040503050406030204" pitchFamily="18" charset="0"/>
+                        </a:rPr>
+                        <m:t> </m:t>
+                      </m:r>
+                      <m:r>
+                        <a:rPr lang="it-IT" sz="1100" b="0" i="1" smtClean="0">
+                          <a:latin typeface="Cambria Math" panose="02040503050406030204" pitchFamily="18" charset="0"/>
+                        </a:rPr>
+                        <m:t>𝑆𝑒𝑟𝑣𝑖𝑐𝑒</m:t>
                       </m:r>
                     </m:oMath>
                   </m:oMathPara>
                 </a14:m>
-                <a:endParaRPr lang="en-GB" sz="1400" dirty="0"/>
+                <a:endParaRPr lang="en-GB" sz="1100" dirty="0"/>
               </a:p>
             </p:txBody>
           </p:sp>
@@ -6303,7 +6368,7 @@
             <p:spPr>
               <a:xfrm>
                 <a:off x="436215" y="806676"/>
-                <a:ext cx="3083215" cy="215444"/>
+                <a:ext cx="3370153" cy="169277"/>
               </a:xfrm>
               <a:prstGeom prst="rect">
                 <a:avLst/>
@@ -6311,7 +6376,7 @@
               <a:blipFill>
                 <a:blip r:embed="rId2"/>
                 <a:stretch>
-                  <a:fillRect l="-823" t="-11111" r="-823" b="-33333"/>
+                  <a:fillRect l="-376" t="-14286" r="-376" b="-35714"/>
                 </a:stretch>
               </a:blipFill>
             </p:spPr>
@@ -6347,7 +6412,7 @@
             <p:spPr>
               <a:xfrm>
                 <a:off x="436215" y="2667210"/>
-                <a:ext cx="3083215" cy="215444"/>
+                <a:ext cx="2063578" cy="169277"/>
               </a:xfrm>
               <a:prstGeom prst="rect">
                 <a:avLst/>
@@ -6368,49 +6433,67 @@
                     </m:oMathParaPr>
                     <m:oMath xmlns:m="http://schemas.openxmlformats.org/officeDocument/2006/math">
                       <m:r>
-                        <a:rPr lang="it-IT" sz="1400" b="0" i="1" smtClean="0">
+                        <a:rPr lang="it-IT" sz="1100" b="0" i="1" smtClean="0">
                           <a:latin typeface="Cambria Math" panose="02040503050406030204" pitchFamily="18" charset="0"/>
                         </a:rPr>
                         <m:t>∀ </m:t>
                       </m:r>
                       <m:r>
-                        <a:rPr lang="it-IT" sz="1400" b="0" i="1" smtClean="0">
+                        <a:rPr lang="it-IT" sz="1100" b="0" i="1" smtClean="0">
                           <a:latin typeface="Cambria Math" panose="02040503050406030204" pitchFamily="18" charset="0"/>
                         </a:rPr>
                         <m:t>𝑖𝑛𝑠𝑡𝑎𝑛𝑐𝑒</m:t>
                       </m:r>
                       <m:r>
-                        <a:rPr lang="it-IT" sz="1400" b="0" i="1" smtClean="0">
+                        <a:rPr lang="it-IT" sz="1100" b="0" i="1" smtClean="0">
+                          <a:latin typeface="Cambria Math" panose="02040503050406030204" pitchFamily="18" charset="0"/>
+                        </a:rPr>
+                        <m:t> </m:t>
+                      </m:r>
+                      <m:r>
+                        <a:rPr lang="it-IT" sz="1100" b="0" i="1" smtClean="0">
+                          <a:latin typeface="Cambria Math" panose="02040503050406030204" pitchFamily="18" charset="0"/>
+                        </a:rPr>
+                        <m:t>𝑖</m:t>
+                      </m:r>
+                      <m:r>
+                        <a:rPr lang="it-IT" sz="1100" b="0" i="1" smtClean="0">
                           <a:latin typeface="Cambria Math" panose="02040503050406030204" pitchFamily="18" charset="0"/>
                         </a:rPr>
                         <m:t> | </m:t>
                       </m:r>
                       <m:r>
-                        <a:rPr lang="it-IT" sz="1400" b="0" i="1" smtClean="0">
+                        <a:rPr lang="it-IT" sz="1100" b="0" i="1" smtClean="0">
                           <a:latin typeface="Cambria Math" panose="02040503050406030204" pitchFamily="18" charset="0"/>
                         </a:rPr>
-                        <m:t>𝑖𝑛𝑠𝑡𝑎𝑛𝑐𝑒𝑆𝑡𝑎𝑡𝑢𝑠</m:t>
+                        <m:t>𝑖</m:t>
                       </m:r>
                       <m:r>
-                        <a:rPr lang="it-IT" sz="1400" b="0" i="1" smtClean="0">
+                        <a:rPr lang="it-IT" sz="1100" b="0" i="1" smtClean="0">
                           <a:latin typeface="Cambria Math" panose="02040503050406030204" pitchFamily="18" charset="0"/>
                         </a:rPr>
-                        <m:t> </m:t>
+                        <m:t>.</m:t>
                       </m:r>
                       <m:r>
-                        <a:rPr lang="it-IT" sz="1400" b="0" i="1" smtClean="0">
+                        <a:rPr lang="it-IT" sz="1100" b="0" i="1" smtClean="0">
                           <a:latin typeface="Cambria Math" panose="02040503050406030204" pitchFamily="18" charset="0"/>
                         </a:rPr>
-                        <m:t>𝑖𝑠</m:t>
+                        <m:t>𝑠𝑡𝑎𝑡</m:t>
                       </m:r>
                       <m:r>
-                        <a:rPr lang="it-IT" sz="1400" b="0" i="1" smtClean="0">
+                        <a:rPr lang="it-IT" sz="1100" b="0" i="1" smtClean="0">
                           <a:latin typeface="Cambria Math" panose="02040503050406030204" pitchFamily="18" charset="0"/>
                         </a:rPr>
-                        <m:t> </m:t>
+                        <m:t>𝑢𝑠</m:t>
                       </m:r>
                       <m:r>
-                        <a:rPr lang="it-IT" sz="1400" b="0" i="1" smtClean="0">
+                        <a:rPr lang="it-IT" sz="1100" b="0" i="1" smtClean="0">
+                          <a:latin typeface="Cambria Math" panose="02040503050406030204" pitchFamily="18" charset="0"/>
+                        </a:rPr>
+                        <m:t>=</m:t>
+                      </m:r>
+                      <m:r>
+                        <a:rPr lang="it-IT" sz="1100" b="0" i="1" smtClean="0">
                           <a:latin typeface="Cambria Math" panose="02040503050406030204" pitchFamily="18" charset="0"/>
                         </a:rPr>
                         <m:t>𝐴𝐶𝑇𝐼𝑉𝐸</m:t>
@@ -6418,7 +6501,7 @@
                     </m:oMath>
                   </m:oMathPara>
                 </a14:m>
-                <a:endParaRPr lang="en-GB" sz="1400" dirty="0"/>
+                <a:endParaRPr lang="en-GB" sz="1100" dirty="0"/>
               </a:p>
             </p:txBody>
           </p:sp>
@@ -6441,7 +6524,7 @@
             <p:spPr>
               <a:xfrm>
                 <a:off x="436215" y="2667210"/>
-                <a:ext cx="3083215" cy="215444"/>
+                <a:ext cx="2063578" cy="169277"/>
               </a:xfrm>
               <a:prstGeom prst="rect">
                 <a:avLst/>
@@ -6449,7 +6532,7 @@
               <a:blipFill>
                 <a:blip r:embed="rId3"/>
                 <a:stretch>
-                  <a:fillRect l="-823" t="-11111" r="-823" b="-33333"/>
+                  <a:fillRect l="-1227" t="-14286" r="-1227" b="-35714"/>
                 </a:stretch>
               </a:blipFill>
             </p:spPr>
@@ -6485,7 +6568,7 @@
             <p:spPr>
               <a:xfrm>
                 <a:off x="436214" y="4336611"/>
-                <a:ext cx="3083215" cy="215444"/>
+                <a:ext cx="2063578" cy="169277"/>
               </a:xfrm>
               <a:prstGeom prst="rect">
                 <a:avLst/>
@@ -6506,49 +6589,61 @@
                     </m:oMathParaPr>
                     <m:oMath xmlns:m="http://schemas.openxmlformats.org/officeDocument/2006/math">
                       <m:r>
-                        <a:rPr lang="it-IT" sz="1400" b="0" i="1" smtClean="0">
+                        <a:rPr lang="it-IT" sz="1100" i="1">
                           <a:latin typeface="Cambria Math" panose="02040503050406030204" pitchFamily="18" charset="0"/>
                         </a:rPr>
                         <m:t>∀ </m:t>
                       </m:r>
                       <m:r>
-                        <a:rPr lang="it-IT" sz="1400" b="0" i="1" smtClean="0">
+                        <a:rPr lang="it-IT" sz="1100" i="1">
                           <a:latin typeface="Cambria Math" panose="02040503050406030204" pitchFamily="18" charset="0"/>
                         </a:rPr>
                         <m:t>𝑖𝑛𝑠𝑡𝑎𝑛𝑐𝑒</m:t>
                       </m:r>
                       <m:r>
-                        <a:rPr lang="it-IT" sz="1400" b="0" i="1" smtClean="0">
+                        <a:rPr lang="it-IT" sz="1100" i="1">
+                          <a:latin typeface="Cambria Math" panose="02040503050406030204" pitchFamily="18" charset="0"/>
+                        </a:rPr>
+                        <m:t> </m:t>
+                      </m:r>
+                      <m:r>
+                        <a:rPr lang="it-IT" sz="1100" i="1">
+                          <a:latin typeface="Cambria Math" panose="02040503050406030204" pitchFamily="18" charset="0"/>
+                        </a:rPr>
+                        <m:t>𝑖</m:t>
+                      </m:r>
+                      <m:r>
+                        <a:rPr lang="it-IT" sz="1100" i="1">
                           <a:latin typeface="Cambria Math" panose="02040503050406030204" pitchFamily="18" charset="0"/>
                         </a:rPr>
                         <m:t> | </m:t>
                       </m:r>
                       <m:r>
-                        <a:rPr lang="it-IT" sz="1400" b="0" i="1" smtClean="0">
+                        <a:rPr lang="it-IT" sz="1100" i="1">
                           <a:latin typeface="Cambria Math" panose="02040503050406030204" pitchFamily="18" charset="0"/>
                         </a:rPr>
-                        <m:t>𝑖𝑛𝑠𝑡𝑎𝑛𝑐𝑒𝑆𝑡𝑎𝑡𝑢𝑠</m:t>
+                        <m:t>𝑖</m:t>
                       </m:r>
                       <m:r>
-                        <a:rPr lang="it-IT" sz="1400" b="0" i="1" smtClean="0">
+                        <a:rPr lang="it-IT" sz="1100" i="1">
                           <a:latin typeface="Cambria Math" panose="02040503050406030204" pitchFamily="18" charset="0"/>
                         </a:rPr>
-                        <m:t> </m:t>
+                        <m:t>.</m:t>
                       </m:r>
                       <m:r>
-                        <a:rPr lang="it-IT" sz="1400" b="0" i="1" smtClean="0">
+                        <a:rPr lang="it-IT" sz="1100" i="1">
                           <a:latin typeface="Cambria Math" panose="02040503050406030204" pitchFamily="18" charset="0"/>
                         </a:rPr>
-                        <m:t>𝑖𝑠</m:t>
+                        <m:t>𝑠𝑡𝑎𝑡𝑢𝑠</m:t>
                       </m:r>
                       <m:r>
-                        <a:rPr lang="it-IT" sz="1400" b="0" i="1" smtClean="0">
+                        <a:rPr lang="it-IT" sz="1100" i="1">
                           <a:latin typeface="Cambria Math" panose="02040503050406030204" pitchFamily="18" charset="0"/>
                         </a:rPr>
-                        <m:t> </m:t>
+                        <m:t>=</m:t>
                       </m:r>
                       <m:r>
-                        <a:rPr lang="it-IT" sz="1400" b="0" i="1" smtClean="0">
+                        <a:rPr lang="it-IT" sz="1100" i="1">
                           <a:latin typeface="Cambria Math" panose="02040503050406030204" pitchFamily="18" charset="0"/>
                         </a:rPr>
                         <m:t>𝐴𝐶𝑇𝐼𝑉𝐸</m:t>
@@ -6556,7 +6651,7 @@
                     </m:oMath>
                   </m:oMathPara>
                 </a14:m>
-                <a:endParaRPr lang="en-GB" sz="1400" dirty="0"/>
+                <a:endParaRPr lang="en-GB" sz="1100" dirty="0"/>
               </a:p>
             </p:txBody>
           </p:sp>
@@ -6579,15 +6674,15 @@
             <p:spPr>
               <a:xfrm>
                 <a:off x="436214" y="4336611"/>
-                <a:ext cx="3083215" cy="215444"/>
+                <a:ext cx="2063578" cy="169277"/>
               </a:xfrm>
               <a:prstGeom prst="rect">
                 <a:avLst/>
               </a:prstGeom>
               <a:blipFill>
-                <a:blip r:embed="rId2"/>
+                <a:blip r:embed="rId4"/>
                 <a:stretch>
-                  <a:fillRect l="-823" t="-11111" r="-823" b="-33333"/>
+                  <a:fillRect l="-1227" t="-14286" r="-1227" b="-35714"/>
                 </a:stretch>
               </a:blipFill>
             </p:spPr>
@@ -6619,18 +6714,18 @@
           <p:nvPr>
             <p:extLst>
               <p:ext uri="{D42A27DB-BD31-4B8C-83A1-F6EECF244321}">
-                <p14:modId xmlns:p14="http://schemas.microsoft.com/office/powerpoint/2010/main" val="767005061"/>
+                <p14:modId xmlns:p14="http://schemas.microsoft.com/office/powerpoint/2010/main" val="2549927265"/>
               </p:ext>
             </p:extLst>
           </p:nvPr>
         </p:nvGraphicFramePr>
         <p:xfrm>
-          <a:off x="4369802" y="404339"/>
+          <a:off x="3652617" y="431232"/>
           <a:ext cx="1152634" cy="842534"/>
         </p:xfrm>
         <a:graphic>
           <a:graphicData uri="http://schemas.openxmlformats.org/drawingml/2006/diagram">
-            <dgm:relIds xmlns:dgm="http://schemas.openxmlformats.org/drawingml/2006/diagram" xmlns:r="http://schemas.openxmlformats.org/officeDocument/2006/relationships" r:dm="rId4" r:lo="rId5" r:qs="rId6" r:cs="rId7"/>
+            <dgm:relIds xmlns:dgm="http://schemas.openxmlformats.org/drawingml/2006/diagram" xmlns:r="http://schemas.openxmlformats.org/officeDocument/2006/relationships" r:dm="rId5" r:lo="rId6" r:qs="rId7" r:cs="rId8"/>
           </a:graphicData>
         </a:graphic>
       </p:graphicFrame>
@@ -6648,7 +6743,7 @@
         </p:nvSpPr>
         <p:spPr>
           <a:xfrm>
-            <a:off x="4436367" y="1246873"/>
+            <a:off x="3719182" y="1273766"/>
             <a:ext cx="1019503" cy="430887"/>
           </a:xfrm>
           <a:prstGeom prst="rect">
@@ -6684,7 +6779,7 @@
         </p:nvCxnSpPr>
         <p:spPr>
           <a:xfrm>
-            <a:off x="5858767" y="914400"/>
+            <a:off x="4953319" y="941293"/>
             <a:ext cx="2984938" cy="0"/>
           </a:xfrm>
           <a:prstGeom prst="straightConnector1">
@@ -6723,7 +6818,7 @@
         </p:nvSpPr>
         <p:spPr>
           <a:xfrm>
-            <a:off x="6699455" y="652789"/>
+            <a:off x="5794007" y="679682"/>
             <a:ext cx="1303562" cy="261610"/>
           </a:xfrm>
           <a:prstGeom prst="rect">
@@ -6758,7 +6853,7 @@
         </p:nvSpPr>
         <p:spPr>
           <a:xfrm>
-            <a:off x="9275056" y="708101"/>
+            <a:off x="8369608" y="734994"/>
             <a:ext cx="289932" cy="412595"/>
           </a:xfrm>
           <a:prstGeom prst="rect">
@@ -6812,7 +6907,7 @@
         </p:nvSpPr>
         <p:spPr>
           <a:xfrm>
-            <a:off x="8843705" y="1246871"/>
+            <a:off x="7938257" y="1273764"/>
             <a:ext cx="1152633" cy="430887"/>
           </a:xfrm>
           <a:prstGeom prst="rect">
@@ -6848,7 +6943,7 @@
         </p:nvSpPr>
         <p:spPr>
           <a:xfrm>
-            <a:off x="4369802" y="2581032"/>
+            <a:off x="3464354" y="2607925"/>
             <a:ext cx="289932" cy="412595"/>
           </a:xfrm>
           <a:prstGeom prst="rect">
@@ -6902,7 +6997,7 @@
         </p:nvSpPr>
         <p:spPr>
           <a:xfrm>
-            <a:off x="4879554" y="2581031"/>
+            <a:off x="3974106" y="2607924"/>
             <a:ext cx="289932" cy="412595"/>
           </a:xfrm>
           <a:prstGeom prst="rect">
@@ -6956,7 +7051,7 @@
         </p:nvSpPr>
         <p:spPr>
           <a:xfrm>
-            <a:off x="5350754" y="2739203"/>
+            <a:off x="4445306" y="2766096"/>
             <a:ext cx="343364" cy="369332"/>
           </a:xfrm>
           <a:prstGeom prst="rect">
@@ -6991,7 +7086,7 @@
         </p:nvSpPr>
         <p:spPr>
           <a:xfrm>
-            <a:off x="5858767" y="2581031"/>
+            <a:off x="4953319" y="2607924"/>
             <a:ext cx="289932" cy="412595"/>
           </a:xfrm>
           <a:prstGeom prst="rect">
@@ -7045,7 +7140,7 @@
         </p:nvSpPr>
         <p:spPr>
           <a:xfrm rot="16200000">
-            <a:off x="5227729" y="2078144"/>
+            <a:off x="4322281" y="2105037"/>
             <a:ext cx="61554" cy="2045339"/>
           </a:xfrm>
           <a:prstGeom prst="leftBracket">
@@ -7091,7 +7186,7 @@
             </p:nvSpPr>
             <p:spPr>
               <a:xfrm>
-                <a:off x="4198121" y="3193654"/>
+                <a:off x="3292673" y="3220547"/>
                 <a:ext cx="2083055" cy="627351"/>
               </a:xfrm>
               <a:prstGeom prst="rect">
@@ -7316,14 +7411,14 @@
             </p:nvSpPr>
             <p:spPr>
               <a:xfrm>
-                <a:off x="4198121" y="3193654"/>
+                <a:off x="3292673" y="3220547"/>
                 <a:ext cx="2083055" cy="627351"/>
               </a:xfrm>
               <a:prstGeom prst="rect">
                 <a:avLst/>
               </a:prstGeom>
               <a:blipFill>
-                <a:blip r:embed="rId9"/>
+                <a:blip r:embed="rId10"/>
                 <a:stretch>
                   <a:fillRect b="-4000"/>
                 </a:stretch>
@@ -7360,7 +7455,7 @@
         </p:nvCxnSpPr>
         <p:spPr>
           <a:xfrm>
-            <a:off x="6435083" y="2779868"/>
+            <a:off x="5529635" y="2806761"/>
             <a:ext cx="2468670" cy="0"/>
           </a:xfrm>
           <a:prstGeom prst="straightConnector1">
@@ -7399,7 +7494,7 @@
         </p:nvSpPr>
         <p:spPr>
           <a:xfrm>
-            <a:off x="6757778" y="2513322"/>
+            <a:off x="5852330" y="2540215"/>
             <a:ext cx="1954381" cy="261610"/>
           </a:xfrm>
           <a:prstGeom prst="rect">
@@ -7434,7 +7529,7 @@
         </p:nvSpPr>
         <p:spPr>
           <a:xfrm>
-            <a:off x="9275055" y="2581031"/>
+            <a:off x="8369607" y="2607924"/>
             <a:ext cx="289932" cy="412595"/>
           </a:xfrm>
           <a:prstGeom prst="rect">
@@ -7490,7 +7585,7 @@
             </p:nvSpPr>
             <p:spPr>
               <a:xfrm>
-                <a:off x="4335407" y="2296085"/>
+                <a:off x="3429959" y="2322978"/>
                 <a:ext cx="397225" cy="261610"/>
               </a:xfrm>
               <a:prstGeom prst="rect">
@@ -7561,14 +7656,14 @@
             </p:nvSpPr>
             <p:spPr>
               <a:xfrm>
-                <a:off x="4335407" y="2296085"/>
+                <a:off x="3429959" y="2322978"/>
                 <a:ext cx="397225" cy="261610"/>
               </a:xfrm>
               <a:prstGeom prst="rect">
                 <a:avLst/>
               </a:prstGeom>
               <a:blipFill>
-                <a:blip r:embed="rId10"/>
+                <a:blip r:embed="rId11"/>
                 <a:stretch>
                   <a:fillRect/>
                 </a:stretch>
@@ -7605,7 +7700,7 @@
             </p:nvSpPr>
             <p:spPr>
               <a:xfrm>
-                <a:off x="5320336" y="2296085"/>
+                <a:off x="4414888" y="2322978"/>
                 <a:ext cx="381578" cy="261610"/>
               </a:xfrm>
               <a:prstGeom prst="rect">
@@ -7676,14 +7771,14 @@
             </p:nvSpPr>
             <p:spPr>
               <a:xfrm>
-                <a:off x="5320336" y="2296085"/>
+                <a:off x="4414888" y="2322978"/>
                 <a:ext cx="381578" cy="261610"/>
               </a:xfrm>
               <a:prstGeom prst="rect">
                 <a:avLst/>
               </a:prstGeom>
               <a:blipFill>
-                <a:blip r:embed="rId11"/>
+                <a:blip r:embed="rId12"/>
                 <a:stretch>
                   <a:fillRect/>
                 </a:stretch>
@@ -7720,7 +7815,7 @@
             </p:nvSpPr>
             <p:spPr>
               <a:xfrm>
-                <a:off x="5807534" y="2296084"/>
+                <a:off x="4902086" y="2322977"/>
                 <a:ext cx="410241" cy="261610"/>
               </a:xfrm>
               <a:prstGeom prst="rect">
@@ -7791,14 +7886,14 @@
             </p:nvSpPr>
             <p:spPr>
               <a:xfrm>
-                <a:off x="5807534" y="2296084"/>
+                <a:off x="4902086" y="2322977"/>
                 <a:ext cx="410241" cy="261610"/>
               </a:xfrm>
               <a:prstGeom prst="rect">
                 <a:avLst/>
               </a:prstGeom>
               <a:blipFill>
-                <a:blip r:embed="rId12"/>
+                <a:blip r:embed="rId13"/>
                 <a:stretch>
                   <a:fillRect/>
                 </a:stretch>
@@ -7833,7 +7928,7 @@
         </p:nvSpPr>
         <p:spPr>
           <a:xfrm>
-            <a:off x="8843704" y="3134506"/>
+            <a:off x="7938256" y="3161399"/>
             <a:ext cx="1152633" cy="261610"/>
           </a:xfrm>
           <a:prstGeom prst="rect">
@@ -7869,7 +7964,7 @@
         </p:nvSpPr>
         <p:spPr>
           <a:xfrm>
-            <a:off x="4369802" y="4238036"/>
+            <a:off x="3464354" y="4264929"/>
             <a:ext cx="289932" cy="412595"/>
           </a:xfrm>
           <a:prstGeom prst="rect">
@@ -7928,7 +8023,7 @@
         </p:nvSpPr>
         <p:spPr>
           <a:xfrm>
-            <a:off x="4879554" y="4238036"/>
+            <a:off x="3974106" y="4264929"/>
             <a:ext cx="289932" cy="412595"/>
           </a:xfrm>
           <a:prstGeom prst="rect">
@@ -7987,7 +8082,7 @@
         </p:nvSpPr>
         <p:spPr>
           <a:xfrm>
-            <a:off x="5357267" y="4397951"/>
+            <a:off x="4451819" y="4424844"/>
             <a:ext cx="343364" cy="369332"/>
           </a:xfrm>
           <a:prstGeom prst="rect">
@@ -8022,7 +8117,7 @@
         </p:nvSpPr>
         <p:spPr>
           <a:xfrm>
-            <a:off x="5871565" y="4238036"/>
+            <a:off x="4966117" y="4264929"/>
             <a:ext cx="289932" cy="412595"/>
           </a:xfrm>
           <a:prstGeom prst="rect">
@@ -8081,7 +8176,7 @@
         </p:nvSpPr>
         <p:spPr>
           <a:xfrm>
-            <a:off x="6374037" y="4238036"/>
+            <a:off x="5468589" y="4264929"/>
             <a:ext cx="289932" cy="412595"/>
           </a:xfrm>
           <a:prstGeom prst="rect">
@@ -8140,7 +8235,7 @@
         </p:nvSpPr>
         <p:spPr>
           <a:xfrm>
-            <a:off x="6883789" y="4238036"/>
+            <a:off x="5978341" y="4264929"/>
             <a:ext cx="289932" cy="412595"/>
           </a:xfrm>
           <a:prstGeom prst="rect">
@@ -8199,7 +8294,7 @@
         </p:nvSpPr>
         <p:spPr>
           <a:xfrm>
-            <a:off x="7361502" y="4397951"/>
+            <a:off x="6456054" y="4424844"/>
             <a:ext cx="343364" cy="369332"/>
           </a:xfrm>
           <a:prstGeom prst="rect">
@@ -8234,7 +8329,7 @@
         </p:nvSpPr>
         <p:spPr>
           <a:xfrm>
-            <a:off x="7875800" y="4238036"/>
+            <a:off x="6970352" y="4264929"/>
             <a:ext cx="289932" cy="412595"/>
           </a:xfrm>
           <a:prstGeom prst="rect">
@@ -8295,7 +8390,7 @@
         </p:nvCxnSpPr>
         <p:spPr>
           <a:xfrm flipH="1">
-            <a:off x="8165732" y="3414218"/>
+            <a:off x="7260284" y="3441111"/>
             <a:ext cx="901748" cy="823818"/>
           </a:xfrm>
           <a:prstGeom prst="straightConnector1">
@@ -8337,7 +8432,7 @@
         </p:nvSpPr>
         <p:spPr>
           <a:xfrm>
-            <a:off x="9275055" y="4017079"/>
+            <a:off x="8369607" y="4043972"/>
             <a:ext cx="289932" cy="412595"/>
           </a:xfrm>
           <a:prstGeom prst="rect">
@@ -8396,7 +8491,7 @@
         </p:nvSpPr>
         <p:spPr>
           <a:xfrm>
-            <a:off x="9608744" y="4100051"/>
+            <a:off x="8703296" y="4126944"/>
             <a:ext cx="809837" cy="261610"/>
           </a:xfrm>
           <a:prstGeom prst="rect">
@@ -8431,7 +8526,7 @@
         </p:nvSpPr>
         <p:spPr>
           <a:xfrm>
-            <a:off x="9275055" y="4620053"/>
+            <a:off x="8369607" y="4646946"/>
             <a:ext cx="289932" cy="412595"/>
           </a:xfrm>
           <a:prstGeom prst="rect">
@@ -8490,7 +8585,7 @@
         </p:nvSpPr>
         <p:spPr>
           <a:xfrm>
-            <a:off x="9608744" y="4695545"/>
+            <a:off x="8703296" y="4722438"/>
             <a:ext cx="902811" cy="261610"/>
           </a:xfrm>
           <a:prstGeom prst="rect">
@@ -8525,7 +8620,7 @@
         </p:nvSpPr>
         <p:spPr>
           <a:xfrm>
-            <a:off x="4129085" y="4668733"/>
+            <a:off x="3223637" y="4695626"/>
             <a:ext cx="771365" cy="261610"/>
           </a:xfrm>
           <a:prstGeom prst="rect">
@@ -8561,7 +8656,7 @@
         </p:nvSpPr>
         <p:spPr>
           <a:xfrm>
-            <a:off x="7586194" y="4668733"/>
+            <a:off x="6680746" y="4695626"/>
             <a:ext cx="869149" cy="261610"/>
           </a:xfrm>
           <a:prstGeom prst="rect">
@@ -8597,7 +8692,7 @@
         </p:nvSpPr>
         <p:spPr>
           <a:xfrm rot="16200000">
-            <a:off x="6278221" y="2798938"/>
+            <a:off x="5372773" y="2825831"/>
             <a:ext cx="45719" cy="4308529"/>
           </a:xfrm>
           <a:prstGeom prst="leftBracket">
@@ -8641,7 +8736,7 @@
         </p:nvSpPr>
         <p:spPr>
           <a:xfrm>
-            <a:off x="6235005" y="4977917"/>
+            <a:off x="5329557" y="5004810"/>
             <a:ext cx="857927" cy="261610"/>
           </a:xfrm>
           <a:prstGeom prst="rect">
@@ -8679,7 +8774,7 @@
         </p:nvCxnSpPr>
         <p:spPr>
           <a:xfrm flipH="1">
-            <a:off x="6148699" y="1462315"/>
+            <a:off x="5243251" y="1489208"/>
             <a:ext cx="2695006" cy="1118716"/>
           </a:xfrm>
           <a:prstGeom prst="straightConnector1">
@@ -8721,7 +8816,7 @@
         </p:nvCxnSpPr>
         <p:spPr>
           <a:xfrm>
-            <a:off x="6271290" y="4025919"/>
+            <a:off x="5365842" y="4052812"/>
             <a:ext cx="0" cy="1281279"/>
           </a:xfrm>
           <a:prstGeom prst="line">
@@ -8763,7 +8858,7 @@
         </p:nvSpPr>
         <p:spPr>
           <a:xfrm>
-            <a:off x="5229762" y="5307198"/>
+            <a:off x="4324314" y="5334091"/>
             <a:ext cx="2083055" cy="261610"/>
           </a:xfrm>
           <a:prstGeom prst="rect">
@@ -8785,6 +8880,102 @@
           </a:p>
         </p:txBody>
       </p:sp>
+      <mc:AlternateContent xmlns:mc="http://schemas.openxmlformats.org/markup-compatibility/2006">
+        <mc:Choice xmlns:a14="http://schemas.microsoft.com/office/drawing/2010/main" Requires="a14">
+          <p:sp>
+            <p:nvSpPr>
+              <p:cNvPr id="5" name="CasellaDiTesto 4">
+                <a:extLst>
+                  <a:ext uri="{FF2B5EF4-FFF2-40B4-BE49-F238E27FC236}">
+                    <a16:creationId xmlns:a16="http://schemas.microsoft.com/office/drawing/2014/main" id="{EEDB3B5C-BAF4-EA1F-35EC-577EE56DC45D}"/>
+                  </a:ext>
+                </a:extLst>
+              </p:cNvPr>
+              <p:cNvSpPr txBox="1"/>
+              <p:nvPr/>
+            </p:nvSpPr>
+            <p:spPr>
+              <a:xfrm>
+                <a:off x="9562807" y="833569"/>
+                <a:ext cx="264496" cy="215444"/>
+              </a:xfrm>
+              <a:prstGeom prst="rect">
+                <a:avLst/>
+              </a:prstGeom>
+              <a:noFill/>
+            </p:spPr>
+            <p:txBody>
+              <a:bodyPr wrap="none" lIns="0" tIns="0" rIns="0" bIns="0" rtlCol="0">
+                <a:spAutoFit/>
+              </a:bodyPr>
+              <a:lstStyle/>
+              <a:p>
+                <a:pPr/>
+                <a14:m>
+                  <m:oMathPara xmlns:m="http://schemas.openxmlformats.org/officeDocument/2006/math">
+                    <m:oMathParaPr>
+                      <m:jc m:val="centerGroup"/>
+                    </m:oMathParaPr>
+                    <m:oMath xmlns:m="http://schemas.openxmlformats.org/officeDocument/2006/math">
+                      <m:r>
+                        <a:rPr lang="it-IT" sz="1400" b="0" i="1" smtClean="0">
+                          <a:latin typeface="Cambria Math" panose="02040503050406030204" pitchFamily="18" charset="0"/>
+                        </a:rPr>
+                        <m:t>[1]</m:t>
+                      </m:r>
+                    </m:oMath>
+                  </m:oMathPara>
+                </a14:m>
+                <a:endParaRPr lang="en-GB" sz="1400" dirty="0"/>
+              </a:p>
+            </p:txBody>
+          </p:sp>
+        </mc:Choice>
+        <mc:Fallback>
+          <p:sp>
+            <p:nvSpPr>
+              <p:cNvPr id="5" name="CasellaDiTesto 4">
+                <a:extLst>
+                  <a:ext uri="{FF2B5EF4-FFF2-40B4-BE49-F238E27FC236}">
+                    <a16:creationId xmlns:a16="http://schemas.microsoft.com/office/drawing/2014/main" id="{EEDB3B5C-BAF4-EA1F-35EC-577EE56DC45D}"/>
+                  </a:ext>
+                </a:extLst>
+              </p:cNvPr>
+              <p:cNvSpPr txBox="1">
+                <a:spLocks noRot="1" noChangeAspect="1" noMove="1" noResize="1" noEditPoints="1" noAdjustHandles="1" noChangeArrowheads="1" noChangeShapeType="1" noTextEdit="1"/>
+              </p:cNvSpPr>
+              <p:nvPr/>
+            </p:nvSpPr>
+            <p:spPr>
+              <a:xfrm>
+                <a:off x="9562807" y="833569"/>
+                <a:ext cx="264496" cy="215444"/>
+              </a:xfrm>
+              <a:prstGeom prst="rect">
+                <a:avLst/>
+              </a:prstGeom>
+              <a:blipFill>
+                <a:blip r:embed="rId14"/>
+                <a:stretch>
+                  <a:fillRect l="-28571" r="-28571" b="-33333"/>
+                </a:stretch>
+              </a:blipFill>
+            </p:spPr>
+            <p:txBody>
+              <a:bodyPr/>
+              <a:lstStyle/>
+              <a:p>
+                <a:r>
+                  <a:rPr lang="en-GB">
+                    <a:noFill/>
+                  </a:rPr>
+                  <a:t> </a:t>
+                </a:r>
+              </a:p>
+            </p:txBody>
+          </p:sp>
+        </mc:Fallback>
+      </mc:AlternateContent>
     </p:spTree>
     <p:extLst>
       <p:ext uri="{BB962C8B-B14F-4D97-AF65-F5344CB8AC3E}">
@@ -9283,8 +9474,8 @@
           </a:p>
         </p:txBody>
       </p:sp>
-      <mc:AlternateContent xmlns:mc="http://schemas.openxmlformats.org/markup-compatibility/2006">
-        <mc:Choice xmlns:a14="http://schemas.microsoft.com/office/drawing/2010/main" Requires="a14">
+      <mc:AlternateContent xmlns:mc="http://schemas.openxmlformats.org/markup-compatibility/2006" xmlns:a14="http://schemas.microsoft.com/office/drawing/2010/main">
+        <mc:Choice Requires="a14">
           <p:sp>
             <p:nvSpPr>
               <p:cNvPr id="59" name="CasellaDiTesto 58">
@@ -9332,7 +9523,7 @@
             </p:txBody>
           </p:sp>
         </mc:Choice>
-        <mc:Fallback>
+        <mc:Fallback xmlns="">
           <p:sp>
             <p:nvSpPr>
               <p:cNvPr id="59" name="CasellaDiTesto 58">
@@ -9948,8 +10139,8 @@
           </a:p>
         </p:txBody>
       </p:sp>
-      <mc:AlternateContent xmlns:mc="http://schemas.openxmlformats.org/markup-compatibility/2006">
-        <mc:Choice xmlns:a14="http://schemas.microsoft.com/office/drawing/2010/main" Requires="a14">
+      <mc:AlternateContent xmlns:mc="http://schemas.openxmlformats.org/markup-compatibility/2006" xmlns:a14="http://schemas.microsoft.com/office/drawing/2010/main">
+        <mc:Choice Requires="a14">
           <p:sp>
             <p:nvSpPr>
               <p:cNvPr id="66" name="CasellaDiTesto 65">
@@ -9978,6 +10169,7 @@
               </a:bodyPr>
               <a:lstStyle/>
               <a:p>
+                <a:pPr/>
                 <a14:m>
                   <m:oMathPara xmlns:m="http://schemas.openxmlformats.org/officeDocument/2006/math">
                     <m:oMathParaPr>
@@ -10064,6 +10256,7 @@
                 </a:endParaRPr>
               </a:p>
               <a:p>
+                <a:pPr/>
                 <a14:m>
                   <m:oMathPara xmlns:m="http://schemas.openxmlformats.org/officeDocument/2006/math">
                     <m:oMathParaPr>
@@ -10138,7 +10331,7 @@
             </p:txBody>
           </p:sp>
         </mc:Choice>
-        <mc:Fallback>
+        <mc:Fallback xmlns="">
           <p:sp>
             <p:nvSpPr>
               <p:cNvPr id="66" name="CasellaDiTesto 65">
@@ -10183,8 +10376,8 @@
           </p:sp>
         </mc:Fallback>
       </mc:AlternateContent>
-      <mc:AlternateContent xmlns:mc="http://schemas.openxmlformats.org/markup-compatibility/2006">
-        <mc:Choice xmlns:a14="http://schemas.microsoft.com/office/drawing/2010/main" Requires="a14">
+      <mc:AlternateContent xmlns:mc="http://schemas.openxmlformats.org/markup-compatibility/2006" xmlns:a14="http://schemas.microsoft.com/office/drawing/2010/main">
+        <mc:Choice Requires="a14">
           <p:sp>
             <p:nvSpPr>
               <p:cNvPr id="67" name="CasellaDiTesto 66">
@@ -10213,6 +10406,7 @@
               </a:bodyPr>
               <a:lstStyle/>
               <a:p>
+                <a:pPr/>
                 <a14:m>
                   <m:oMathPara xmlns:m="http://schemas.openxmlformats.org/officeDocument/2006/math">
                     <m:oMathParaPr>
@@ -10287,7 +10481,7 @@
             </p:txBody>
           </p:sp>
         </mc:Choice>
-        <mc:Fallback>
+        <mc:Fallback xmlns="">
           <p:sp>
             <p:nvSpPr>
               <p:cNvPr id="67" name="CasellaDiTesto 66">
@@ -10346,7 +10540,7 @@
         </p:nvSpPr>
         <p:spPr>
           <a:xfrm>
-            <a:off x="5182673" y="4541431"/>
+            <a:off x="5182673" y="4702795"/>
             <a:ext cx="289932" cy="412595"/>
           </a:xfrm>
           <a:prstGeom prst="rect">
@@ -10405,7 +10599,7 @@
         </p:nvSpPr>
         <p:spPr>
           <a:xfrm>
-            <a:off x="5692425" y="4541431"/>
+            <a:off x="5692425" y="4702795"/>
             <a:ext cx="289932" cy="412595"/>
           </a:xfrm>
           <a:prstGeom prst="rect">
@@ -10464,7 +10658,7 @@
         </p:nvSpPr>
         <p:spPr>
           <a:xfrm>
-            <a:off x="6170138" y="4701346"/>
+            <a:off x="6170138" y="4862710"/>
             <a:ext cx="343364" cy="369332"/>
           </a:xfrm>
           <a:prstGeom prst="rect">
@@ -10499,7 +10693,7 @@
         </p:nvSpPr>
         <p:spPr>
           <a:xfrm>
-            <a:off x="6684436" y="4541431"/>
+            <a:off x="6684436" y="4702795"/>
             <a:ext cx="289932" cy="412595"/>
           </a:xfrm>
           <a:prstGeom prst="rect">
@@ -10558,7 +10752,7 @@
         </p:nvSpPr>
         <p:spPr>
           <a:xfrm>
-            <a:off x="3178438" y="4541431"/>
+            <a:off x="3178438" y="4702795"/>
             <a:ext cx="289932" cy="412595"/>
           </a:xfrm>
           <a:prstGeom prst="rect">
@@ -10617,7 +10811,7 @@
         </p:nvSpPr>
         <p:spPr>
           <a:xfrm>
-            <a:off x="3688190" y="4541431"/>
+            <a:off x="3688190" y="4702795"/>
             <a:ext cx="289932" cy="412595"/>
           </a:xfrm>
           <a:prstGeom prst="rect">
@@ -10676,7 +10870,7 @@
         </p:nvSpPr>
         <p:spPr>
           <a:xfrm>
-            <a:off x="4165903" y="4701346"/>
+            <a:off x="4165903" y="4862710"/>
             <a:ext cx="343364" cy="369332"/>
           </a:xfrm>
           <a:prstGeom prst="rect">
@@ -10711,7 +10905,7 @@
         </p:nvSpPr>
         <p:spPr>
           <a:xfrm>
-            <a:off x="4680201" y="4541431"/>
+            <a:off x="4680201" y="4702795"/>
             <a:ext cx="289932" cy="412595"/>
           </a:xfrm>
           <a:prstGeom prst="rect">
@@ -10772,591 +10966,7 @@
             </p:nvSpPr>
             <p:spPr>
               <a:xfrm>
-                <a:off x="2081682" y="4663077"/>
-                <a:ext cx="601575" cy="215444"/>
-              </a:xfrm>
-              <a:prstGeom prst="rect">
-                <a:avLst/>
-              </a:prstGeom>
-              <a:noFill/>
-            </p:spPr>
-            <p:txBody>
-              <a:bodyPr wrap="none" lIns="0" tIns="0" rIns="0" bIns="0" rtlCol="0">
-                <a:spAutoFit/>
-              </a:bodyPr>
-              <a:lstStyle/>
-              <a:p>
-                <a14:m>
-                  <m:oMathPara xmlns:m="http://schemas.openxmlformats.org/officeDocument/2006/math">
-                    <m:oMathParaPr>
-                      <m:jc m:val="centerGroup"/>
-                    </m:oMathParaPr>
-                    <m:oMath xmlns:m="http://schemas.openxmlformats.org/officeDocument/2006/math">
-                      <m:r>
-                        <a:rPr lang="it-IT" sz="1400" b="0" i="1" smtClean="0">
-                          <a:latin typeface="Cambria Math" panose="02040503050406030204" pitchFamily="18" charset="0"/>
-                        </a:rPr>
-                        <m:t>𝐴𝐹𝑇𝐸𝑅</m:t>
-                      </m:r>
-                    </m:oMath>
-                  </m:oMathPara>
-                </a14:m>
-                <a:endParaRPr lang="en-GB" sz="1400" dirty="0"/>
-              </a:p>
-            </p:txBody>
-          </p:sp>
-        </mc:Choice>
-        <mc:Fallback>
-          <p:sp>
-            <p:nvSpPr>
-              <p:cNvPr id="94" name="CasellaDiTesto 93">
-                <a:extLst>
-                  <a:ext uri="{FF2B5EF4-FFF2-40B4-BE49-F238E27FC236}">
-                    <a16:creationId xmlns:a16="http://schemas.microsoft.com/office/drawing/2014/main" id="{2D8CBC0A-F4FC-E7A0-31CB-F40C7F8F5848}"/>
-                  </a:ext>
-                </a:extLst>
-              </p:cNvPr>
-              <p:cNvSpPr txBox="1">
-                <a:spLocks noRot="1" noChangeAspect="1" noMove="1" noResize="1" noEditPoints="1" noAdjustHandles="1" noChangeArrowheads="1" noChangeShapeType="1" noTextEdit="1"/>
-              </p:cNvSpPr>
-              <p:nvPr/>
-            </p:nvSpPr>
-            <p:spPr>
-              <a:xfrm>
-                <a:off x="2081682" y="4663077"/>
-                <a:ext cx="601575" cy="215444"/>
-              </a:xfrm>
-              <a:prstGeom prst="rect">
-                <a:avLst/>
-              </a:prstGeom>
-              <a:blipFill>
-                <a:blip r:embed="rId5"/>
-                <a:stretch>
-                  <a:fillRect l="-6122" r="-4082" b="-5882"/>
-                </a:stretch>
-              </a:blipFill>
-            </p:spPr>
-            <p:txBody>
-              <a:bodyPr/>
-              <a:lstStyle/>
-              <a:p>
-                <a:r>
-                  <a:rPr lang="en-GB">
-                    <a:noFill/>
-                  </a:rPr>
-                  <a:t> </a:t>
-                </a:r>
-              </a:p>
-            </p:txBody>
-          </p:sp>
-        </mc:Fallback>
-      </mc:AlternateContent>
-      <p:sp>
-        <p:nvSpPr>
-          <p:cNvPr id="95" name="CasellaDiTesto 94">
-            <a:extLst>
-              <a:ext uri="{FF2B5EF4-FFF2-40B4-BE49-F238E27FC236}">
-                <a16:creationId xmlns:a16="http://schemas.microsoft.com/office/drawing/2014/main" id="{06DA23A0-A721-D6E2-C982-8AAF3D539D47}"/>
-              </a:ext>
-            </a:extLst>
-          </p:cNvPr>
-          <p:cNvSpPr txBox="1"/>
-          <p:nvPr/>
-        </p:nvSpPr>
-        <p:spPr>
-          <a:xfrm>
-            <a:off x="5499438" y="889895"/>
-            <a:ext cx="1879041" cy="253916"/>
-          </a:xfrm>
-          <a:prstGeom prst="rect">
-            <a:avLst/>
-          </a:prstGeom>
-          <a:noFill/>
-        </p:spPr>
-        <p:txBody>
-          <a:bodyPr wrap="none" rtlCol="0">
-            <a:spAutoFit/>
-          </a:bodyPr>
-          <a:lstStyle/>
-          <a:p>
-            <a:r>
-              <a:rPr lang="en-GB" sz="1050" dirty="0"/>
-              <a:t>During each Analysis execution</a:t>
-            </a:r>
-          </a:p>
-        </p:txBody>
-      </p:sp>
-    </p:spTree>
-    <p:extLst>
-      <p:ext uri="{BB962C8B-B14F-4D97-AF65-F5344CB8AC3E}">
-        <p14:creationId xmlns:p14="http://schemas.microsoft.com/office/powerpoint/2010/main" val="1556130965"/>
-      </p:ext>
-    </p:extLst>
-  </p:cSld>
-  <p:clrMapOvr>
-    <a:masterClrMapping/>
-  </p:clrMapOvr>
-</p:sld>
-</file>
-
-<file path=ppt/slides/slide3.xml><?xml version="1.0" encoding="utf-8"?>
-<p:sld xmlns:a="http://schemas.openxmlformats.org/drawingml/2006/main" xmlns:r="http://schemas.openxmlformats.org/officeDocument/2006/relationships" xmlns:p="http://schemas.openxmlformats.org/presentationml/2006/main">
-  <p:cSld>
-    <p:spTree>
-      <p:nvGrpSpPr>
-        <p:cNvPr id="1" name=""/>
-        <p:cNvGrpSpPr/>
-        <p:nvPr/>
-      </p:nvGrpSpPr>
-      <p:grpSpPr>
-        <a:xfrm>
-          <a:off x="0" y="0"/>
-          <a:ext cx="0" cy="0"/>
-          <a:chOff x="0" y="0"/>
-          <a:chExt cx="0" cy="0"/>
-        </a:xfrm>
-      </p:grpSpPr>
-      <p:sp>
-        <p:nvSpPr>
-          <p:cNvPr id="86" name="Rettangolo 85">
-            <a:extLst>
-              <a:ext uri="{FF2B5EF4-FFF2-40B4-BE49-F238E27FC236}">
-                <a16:creationId xmlns:a16="http://schemas.microsoft.com/office/drawing/2014/main" id="{535286B7-E41B-E572-52F2-67A5C76356A8}"/>
-              </a:ext>
-            </a:extLst>
-          </p:cNvPr>
-          <p:cNvSpPr/>
-          <p:nvPr/>
-        </p:nvSpPr>
-        <p:spPr>
-          <a:xfrm>
-            <a:off x="5408354" y="1993543"/>
-            <a:ext cx="289932" cy="412595"/>
-          </a:xfrm>
-          <a:prstGeom prst="rect">
-            <a:avLst/>
-          </a:prstGeom>
-          <a:pattFill prst="pct40">
-            <a:fgClr>
-              <a:srgbClr val="FF0000"/>
-            </a:fgClr>
-            <a:bgClr>
-              <a:schemeClr val="bg1"/>
-            </a:bgClr>
-          </a:pattFill>
-          <a:ln>
-            <a:solidFill>
-              <a:srgbClr val="FF0000"/>
-            </a:solidFill>
-          </a:ln>
-        </p:spPr>
-        <p:style>
-          <a:lnRef idx="2">
-            <a:schemeClr val="accent1">
-              <a:shade val="50000"/>
-            </a:schemeClr>
-          </a:lnRef>
-          <a:fillRef idx="1">
-            <a:schemeClr val="accent1"/>
-          </a:fillRef>
-          <a:effectRef idx="0">
-            <a:schemeClr val="accent1"/>
-          </a:effectRef>
-          <a:fontRef idx="minor">
-            <a:schemeClr val="lt1"/>
-          </a:fontRef>
-        </p:style>
-        <p:txBody>
-          <a:bodyPr rtlCol="0" anchor="ctr"/>
-          <a:lstStyle/>
-          <a:p>
-            <a:pPr algn="ctr"/>
-            <a:endParaRPr lang="en-GB" dirty="0"/>
-          </a:p>
-        </p:txBody>
-      </p:sp>
-      <p:sp>
-        <p:nvSpPr>
-          <p:cNvPr id="87" name="Rettangolo 86">
-            <a:extLst>
-              <a:ext uri="{FF2B5EF4-FFF2-40B4-BE49-F238E27FC236}">
-                <a16:creationId xmlns:a16="http://schemas.microsoft.com/office/drawing/2014/main" id="{03EB2BCD-0ECF-D653-E549-F9E7CB777859}"/>
-              </a:ext>
-            </a:extLst>
-          </p:cNvPr>
-          <p:cNvSpPr/>
-          <p:nvPr/>
-        </p:nvSpPr>
-        <p:spPr>
-          <a:xfrm>
-            <a:off x="5918106" y="1993543"/>
-            <a:ext cx="289932" cy="412595"/>
-          </a:xfrm>
-          <a:prstGeom prst="rect">
-            <a:avLst/>
-          </a:prstGeom>
-          <a:pattFill prst="pct40">
-            <a:fgClr>
-              <a:srgbClr val="FF0000"/>
-            </a:fgClr>
-            <a:bgClr>
-              <a:schemeClr val="bg1"/>
-            </a:bgClr>
-          </a:pattFill>
-          <a:ln>
-            <a:solidFill>
-              <a:srgbClr val="FF0000"/>
-            </a:solidFill>
-          </a:ln>
-        </p:spPr>
-        <p:style>
-          <a:lnRef idx="2">
-            <a:schemeClr val="accent1">
-              <a:shade val="50000"/>
-            </a:schemeClr>
-          </a:lnRef>
-          <a:fillRef idx="1">
-            <a:schemeClr val="accent1"/>
-          </a:fillRef>
-          <a:effectRef idx="0">
-            <a:schemeClr val="accent1"/>
-          </a:effectRef>
-          <a:fontRef idx="minor">
-            <a:schemeClr val="lt1"/>
-          </a:fontRef>
-        </p:style>
-        <p:txBody>
-          <a:bodyPr rtlCol="0" anchor="ctr"/>
-          <a:lstStyle/>
-          <a:p>
-            <a:pPr algn="ctr"/>
-            <a:endParaRPr lang="en-GB" dirty="0"/>
-          </a:p>
-        </p:txBody>
-      </p:sp>
-      <p:sp>
-        <p:nvSpPr>
-          <p:cNvPr id="88" name="CasellaDiTesto 87">
-            <a:extLst>
-              <a:ext uri="{FF2B5EF4-FFF2-40B4-BE49-F238E27FC236}">
-                <a16:creationId xmlns:a16="http://schemas.microsoft.com/office/drawing/2014/main" id="{6C3509C8-C573-DDFD-07C8-612FFE1A1135}"/>
-              </a:ext>
-            </a:extLst>
-          </p:cNvPr>
-          <p:cNvSpPr txBox="1"/>
-          <p:nvPr/>
-        </p:nvSpPr>
-        <p:spPr>
-          <a:xfrm>
-            <a:off x="6395819" y="2153458"/>
-            <a:ext cx="343364" cy="369332"/>
-          </a:xfrm>
-          <a:prstGeom prst="rect">
-            <a:avLst/>
-          </a:prstGeom>
-          <a:noFill/>
-        </p:spPr>
-        <p:txBody>
-          <a:bodyPr wrap="none" rtlCol="0">
-            <a:spAutoFit/>
-          </a:bodyPr>
-          <a:lstStyle/>
-          <a:p>
-            <a:r>
-              <a:rPr lang="en-GB" dirty="0"/>
-              <a:t>…</a:t>
-            </a:r>
-          </a:p>
-        </p:txBody>
-      </p:sp>
-      <p:sp>
-        <p:nvSpPr>
-          <p:cNvPr id="89" name="Rettangolo 88">
-            <a:extLst>
-              <a:ext uri="{FF2B5EF4-FFF2-40B4-BE49-F238E27FC236}">
-                <a16:creationId xmlns:a16="http://schemas.microsoft.com/office/drawing/2014/main" id="{4CB2A7DB-F467-55F6-0971-732643CADE87}"/>
-              </a:ext>
-            </a:extLst>
-          </p:cNvPr>
-          <p:cNvSpPr/>
-          <p:nvPr/>
-        </p:nvSpPr>
-        <p:spPr>
-          <a:xfrm>
-            <a:off x="6910117" y="1993543"/>
-            <a:ext cx="289932" cy="412595"/>
-          </a:xfrm>
-          <a:prstGeom prst="rect">
-            <a:avLst/>
-          </a:prstGeom>
-          <a:pattFill prst="pct40">
-            <a:fgClr>
-              <a:srgbClr val="FF0000"/>
-            </a:fgClr>
-            <a:bgClr>
-              <a:schemeClr val="bg1"/>
-            </a:bgClr>
-          </a:pattFill>
-          <a:ln>
-            <a:solidFill>
-              <a:srgbClr val="FF0000"/>
-            </a:solidFill>
-          </a:ln>
-        </p:spPr>
-        <p:style>
-          <a:lnRef idx="2">
-            <a:schemeClr val="accent1">
-              <a:shade val="50000"/>
-            </a:schemeClr>
-          </a:lnRef>
-          <a:fillRef idx="1">
-            <a:schemeClr val="accent1"/>
-          </a:fillRef>
-          <a:effectRef idx="0">
-            <a:schemeClr val="accent1"/>
-          </a:effectRef>
-          <a:fontRef idx="minor">
-            <a:schemeClr val="lt1"/>
-          </a:fontRef>
-        </p:style>
-        <p:txBody>
-          <a:bodyPr rtlCol="0" anchor="ctr"/>
-          <a:lstStyle/>
-          <a:p>
-            <a:pPr algn="ctr"/>
-            <a:endParaRPr lang="en-GB" dirty="0"/>
-          </a:p>
-        </p:txBody>
-      </p:sp>
-      <p:sp>
-        <p:nvSpPr>
-          <p:cNvPr id="90" name="Rettangolo 89">
-            <a:extLst>
-              <a:ext uri="{FF2B5EF4-FFF2-40B4-BE49-F238E27FC236}">
-                <a16:creationId xmlns:a16="http://schemas.microsoft.com/office/drawing/2014/main" id="{8F5D39CA-6351-CC93-E09F-2B4064A4D7E6}"/>
-              </a:ext>
-            </a:extLst>
-          </p:cNvPr>
-          <p:cNvSpPr/>
-          <p:nvPr/>
-        </p:nvSpPr>
-        <p:spPr>
-          <a:xfrm>
-            <a:off x="3404119" y="1993543"/>
-            <a:ext cx="289932" cy="412595"/>
-          </a:xfrm>
-          <a:prstGeom prst="rect">
-            <a:avLst/>
-          </a:prstGeom>
-          <a:pattFill prst="pct40">
-            <a:fgClr>
-              <a:srgbClr val="FF0000"/>
-            </a:fgClr>
-            <a:bgClr>
-              <a:schemeClr val="bg1"/>
-            </a:bgClr>
-          </a:pattFill>
-          <a:ln>
-            <a:solidFill>
-              <a:srgbClr val="FF0000"/>
-            </a:solidFill>
-          </a:ln>
-        </p:spPr>
-        <p:style>
-          <a:lnRef idx="2">
-            <a:schemeClr val="accent1">
-              <a:shade val="50000"/>
-            </a:schemeClr>
-          </a:lnRef>
-          <a:fillRef idx="1">
-            <a:schemeClr val="accent1"/>
-          </a:fillRef>
-          <a:effectRef idx="0">
-            <a:schemeClr val="accent1"/>
-          </a:effectRef>
-          <a:fontRef idx="minor">
-            <a:schemeClr val="lt1"/>
-          </a:fontRef>
-        </p:style>
-        <p:txBody>
-          <a:bodyPr rtlCol="0" anchor="ctr"/>
-          <a:lstStyle/>
-          <a:p>
-            <a:pPr algn="ctr"/>
-            <a:endParaRPr lang="en-GB" dirty="0"/>
-          </a:p>
-        </p:txBody>
-      </p:sp>
-      <p:sp>
-        <p:nvSpPr>
-          <p:cNvPr id="91" name="Rettangolo 90">
-            <a:extLst>
-              <a:ext uri="{FF2B5EF4-FFF2-40B4-BE49-F238E27FC236}">
-                <a16:creationId xmlns:a16="http://schemas.microsoft.com/office/drawing/2014/main" id="{7F1069CF-AB81-447B-F41A-5CF902947103}"/>
-              </a:ext>
-            </a:extLst>
-          </p:cNvPr>
-          <p:cNvSpPr/>
-          <p:nvPr/>
-        </p:nvSpPr>
-        <p:spPr>
-          <a:xfrm>
-            <a:off x="3913871" y="1993543"/>
-            <a:ext cx="289932" cy="412595"/>
-          </a:xfrm>
-          <a:prstGeom prst="rect">
-            <a:avLst/>
-          </a:prstGeom>
-          <a:pattFill prst="pct40">
-            <a:fgClr>
-              <a:srgbClr val="FF0000"/>
-            </a:fgClr>
-            <a:bgClr>
-              <a:schemeClr val="bg1"/>
-            </a:bgClr>
-          </a:pattFill>
-          <a:ln>
-            <a:solidFill>
-              <a:srgbClr val="FF0000"/>
-            </a:solidFill>
-          </a:ln>
-        </p:spPr>
-        <p:style>
-          <a:lnRef idx="2">
-            <a:schemeClr val="accent1">
-              <a:shade val="50000"/>
-            </a:schemeClr>
-          </a:lnRef>
-          <a:fillRef idx="1">
-            <a:schemeClr val="accent1"/>
-          </a:fillRef>
-          <a:effectRef idx="0">
-            <a:schemeClr val="accent1"/>
-          </a:effectRef>
-          <a:fontRef idx="minor">
-            <a:schemeClr val="lt1"/>
-          </a:fontRef>
-        </p:style>
-        <p:txBody>
-          <a:bodyPr rtlCol="0" anchor="ctr"/>
-          <a:lstStyle/>
-          <a:p>
-            <a:pPr algn="ctr"/>
-            <a:endParaRPr lang="en-GB" dirty="0"/>
-          </a:p>
-        </p:txBody>
-      </p:sp>
-      <p:sp>
-        <p:nvSpPr>
-          <p:cNvPr id="92" name="CasellaDiTesto 91">
-            <a:extLst>
-              <a:ext uri="{FF2B5EF4-FFF2-40B4-BE49-F238E27FC236}">
-                <a16:creationId xmlns:a16="http://schemas.microsoft.com/office/drawing/2014/main" id="{D2265E0A-0D79-0082-89A6-3C5D10E0889E}"/>
-              </a:ext>
-            </a:extLst>
-          </p:cNvPr>
-          <p:cNvSpPr txBox="1"/>
-          <p:nvPr/>
-        </p:nvSpPr>
-        <p:spPr>
-          <a:xfrm>
-            <a:off x="4391584" y="2153458"/>
-            <a:ext cx="343364" cy="369332"/>
-          </a:xfrm>
-          <a:prstGeom prst="rect">
-            <a:avLst/>
-          </a:prstGeom>
-          <a:noFill/>
-        </p:spPr>
-        <p:txBody>
-          <a:bodyPr wrap="none" rtlCol="0">
-            <a:spAutoFit/>
-          </a:bodyPr>
-          <a:lstStyle/>
-          <a:p>
-            <a:r>
-              <a:rPr lang="en-GB" dirty="0"/>
-              <a:t>…</a:t>
-            </a:r>
-          </a:p>
-        </p:txBody>
-      </p:sp>
-      <p:sp>
-        <p:nvSpPr>
-          <p:cNvPr id="93" name="Rettangolo 92">
-            <a:extLst>
-              <a:ext uri="{FF2B5EF4-FFF2-40B4-BE49-F238E27FC236}">
-                <a16:creationId xmlns:a16="http://schemas.microsoft.com/office/drawing/2014/main" id="{790DC27D-71AC-4C28-E72B-A7B794063AF9}"/>
-              </a:ext>
-            </a:extLst>
-          </p:cNvPr>
-          <p:cNvSpPr/>
-          <p:nvPr/>
-        </p:nvSpPr>
-        <p:spPr>
-          <a:xfrm>
-            <a:off x="4905882" y="1993543"/>
-            <a:ext cx="289932" cy="412595"/>
-          </a:xfrm>
-          <a:prstGeom prst="rect">
-            <a:avLst/>
-          </a:prstGeom>
-          <a:pattFill prst="pct40">
-            <a:fgClr>
-              <a:srgbClr val="FF0000"/>
-            </a:fgClr>
-            <a:bgClr>
-              <a:schemeClr val="bg1"/>
-            </a:bgClr>
-          </a:pattFill>
-          <a:ln>
-            <a:solidFill>
-              <a:srgbClr val="FF0000"/>
-            </a:solidFill>
-          </a:ln>
-        </p:spPr>
-        <p:style>
-          <a:lnRef idx="2">
-            <a:schemeClr val="accent1">
-              <a:shade val="50000"/>
-            </a:schemeClr>
-          </a:lnRef>
-          <a:fillRef idx="1">
-            <a:schemeClr val="accent1"/>
-          </a:fillRef>
-          <a:effectRef idx="0">
-            <a:schemeClr val="accent1"/>
-          </a:effectRef>
-          <a:fontRef idx="minor">
-            <a:schemeClr val="lt1"/>
-          </a:fontRef>
-        </p:style>
-        <p:txBody>
-          <a:bodyPr rtlCol="0" anchor="ctr"/>
-          <a:lstStyle/>
-          <a:p>
-            <a:pPr algn="ctr"/>
-            <a:endParaRPr lang="en-GB" dirty="0"/>
-          </a:p>
-        </p:txBody>
-      </p:sp>
-      <mc:AlternateContent xmlns:mc="http://schemas.openxmlformats.org/markup-compatibility/2006">
-        <mc:Choice xmlns:a14="http://schemas.microsoft.com/office/drawing/2010/main" Requires="a14">
-          <p:sp>
-            <p:nvSpPr>
-              <p:cNvPr id="94" name="CasellaDiTesto 93">
-                <a:extLst>
-                  <a:ext uri="{FF2B5EF4-FFF2-40B4-BE49-F238E27FC236}">
-                    <a16:creationId xmlns:a16="http://schemas.microsoft.com/office/drawing/2014/main" id="{2D8CBC0A-F4FC-E7A0-31CB-F40C7F8F5848}"/>
-                  </a:ext>
-                </a:extLst>
-              </p:cNvPr>
-              <p:cNvSpPr txBox="1"/>
-              <p:nvPr/>
-            </p:nvSpPr>
-            <p:spPr>
-              <a:xfrm>
-                <a:off x="2193858" y="2107273"/>
+                <a:off x="2081682" y="4824441"/>
                 <a:ext cx="601575" cy="215444"/>
               </a:xfrm>
               <a:prstGeom prst="rect">
@@ -11408,6 +11018,749 @@
             </p:nvSpPr>
             <p:spPr>
               <a:xfrm>
+                <a:off x="2081682" y="4824441"/>
+                <a:ext cx="601575" cy="215444"/>
+              </a:xfrm>
+              <a:prstGeom prst="rect">
+                <a:avLst/>
+              </a:prstGeom>
+              <a:blipFill>
+                <a:blip r:embed="rId5"/>
+                <a:stretch>
+                  <a:fillRect l="-6122" r="-4082" b="-5556"/>
+                </a:stretch>
+              </a:blipFill>
+            </p:spPr>
+            <p:txBody>
+              <a:bodyPr/>
+              <a:lstStyle/>
+              <a:p>
+                <a:r>
+                  <a:rPr lang="en-GB">
+                    <a:noFill/>
+                  </a:rPr>
+                  <a:t> </a:t>
+                </a:r>
+              </a:p>
+            </p:txBody>
+          </p:sp>
+        </mc:Fallback>
+      </mc:AlternateContent>
+      <p:sp>
+        <p:nvSpPr>
+          <p:cNvPr id="95" name="CasellaDiTesto 94">
+            <a:extLst>
+              <a:ext uri="{FF2B5EF4-FFF2-40B4-BE49-F238E27FC236}">
+                <a16:creationId xmlns:a16="http://schemas.microsoft.com/office/drawing/2014/main" id="{06DA23A0-A721-D6E2-C982-8AAF3D539D47}"/>
+              </a:ext>
+            </a:extLst>
+          </p:cNvPr>
+          <p:cNvSpPr txBox="1"/>
+          <p:nvPr/>
+        </p:nvSpPr>
+        <p:spPr>
+          <a:xfrm>
+            <a:off x="5499438" y="889895"/>
+            <a:ext cx="1879041" cy="253916"/>
+          </a:xfrm>
+          <a:prstGeom prst="rect">
+            <a:avLst/>
+          </a:prstGeom>
+          <a:noFill/>
+        </p:spPr>
+        <p:txBody>
+          <a:bodyPr wrap="none" rtlCol="0">
+            <a:spAutoFit/>
+          </a:bodyPr>
+          <a:lstStyle/>
+          <a:p>
+            <a:r>
+              <a:rPr lang="en-GB" sz="1050" dirty="0"/>
+              <a:t>During each Analysis execution</a:t>
+            </a:r>
+          </a:p>
+        </p:txBody>
+      </p:sp>
+      <p:sp>
+        <p:nvSpPr>
+          <p:cNvPr id="2" name="Parentesi quadra aperta 1">
+            <a:extLst>
+              <a:ext uri="{FF2B5EF4-FFF2-40B4-BE49-F238E27FC236}">
+                <a16:creationId xmlns:a16="http://schemas.microsoft.com/office/drawing/2014/main" id="{D2006FFD-0C45-81D0-53B5-88718273081B}"/>
+              </a:ext>
+            </a:extLst>
+          </p:cNvPr>
+          <p:cNvSpPr/>
+          <p:nvPr/>
+        </p:nvSpPr>
+        <p:spPr>
+          <a:xfrm rot="16200000">
+            <a:off x="5146369" y="2126271"/>
+            <a:ext cx="45719" cy="4308529"/>
+          </a:xfrm>
+          <a:prstGeom prst="leftBracket">
+            <a:avLst/>
+          </a:prstGeom>
+        </p:spPr>
+        <p:style>
+          <a:lnRef idx="1">
+            <a:schemeClr val="accent1"/>
+          </a:lnRef>
+          <a:fillRef idx="0">
+            <a:schemeClr val="accent1"/>
+          </a:fillRef>
+          <a:effectRef idx="0">
+            <a:schemeClr val="accent1"/>
+          </a:effectRef>
+          <a:fontRef idx="minor">
+            <a:schemeClr val="tx1"/>
+          </a:fontRef>
+        </p:style>
+        <p:txBody>
+          <a:bodyPr rtlCol="0" anchor="ctr"/>
+          <a:lstStyle/>
+          <a:p>
+            <a:pPr algn="ctr"/>
+            <a:endParaRPr lang="en-GB" dirty="0"/>
+          </a:p>
+        </p:txBody>
+      </p:sp>
+      <p:sp>
+        <p:nvSpPr>
+          <p:cNvPr id="3" name="CasellaDiTesto 2">
+            <a:extLst>
+              <a:ext uri="{FF2B5EF4-FFF2-40B4-BE49-F238E27FC236}">
+                <a16:creationId xmlns:a16="http://schemas.microsoft.com/office/drawing/2014/main" id="{020F7B1F-7CF5-C86A-9791-65B4AC447023}"/>
+              </a:ext>
+            </a:extLst>
+          </p:cNvPr>
+          <p:cNvSpPr txBox="1"/>
+          <p:nvPr/>
+        </p:nvSpPr>
+        <p:spPr>
+          <a:xfrm>
+            <a:off x="4651581" y="4311146"/>
+            <a:ext cx="857927" cy="261610"/>
+          </a:xfrm>
+          <a:prstGeom prst="rect">
+            <a:avLst/>
+          </a:prstGeom>
+          <a:noFill/>
+        </p:spPr>
+        <p:txBody>
+          <a:bodyPr wrap="none" rtlCol="0">
+            <a:spAutoFit/>
+          </a:bodyPr>
+          <a:lstStyle/>
+          <a:p>
+            <a:r>
+              <a:rPr lang="en-GB" sz="1100" dirty="0"/>
+              <a:t>QoS History</a:t>
+            </a:r>
+          </a:p>
+        </p:txBody>
+      </p:sp>
+      <p:sp>
+        <p:nvSpPr>
+          <p:cNvPr id="4" name="Parentesi quadra aperta 3">
+            <a:extLst>
+              <a:ext uri="{FF2B5EF4-FFF2-40B4-BE49-F238E27FC236}">
+                <a16:creationId xmlns:a16="http://schemas.microsoft.com/office/drawing/2014/main" id="{57FA0A08-3CF4-D099-C925-0229CC11FF9C}"/>
+              </a:ext>
+            </a:extLst>
+          </p:cNvPr>
+          <p:cNvSpPr/>
+          <p:nvPr/>
+        </p:nvSpPr>
+        <p:spPr>
+          <a:xfrm rot="16200000">
+            <a:off x="5146369" y="3070689"/>
+            <a:ext cx="45719" cy="4308529"/>
+          </a:xfrm>
+          <a:prstGeom prst="leftBracket">
+            <a:avLst/>
+          </a:prstGeom>
+        </p:spPr>
+        <p:style>
+          <a:lnRef idx="1">
+            <a:schemeClr val="accent1"/>
+          </a:lnRef>
+          <a:fillRef idx="0">
+            <a:schemeClr val="accent1"/>
+          </a:fillRef>
+          <a:effectRef idx="0">
+            <a:schemeClr val="accent1"/>
+          </a:effectRef>
+          <a:fontRef idx="minor">
+            <a:schemeClr val="tx1"/>
+          </a:fontRef>
+        </p:style>
+        <p:txBody>
+          <a:bodyPr rtlCol="0" anchor="ctr"/>
+          <a:lstStyle/>
+          <a:p>
+            <a:pPr algn="ctr"/>
+            <a:endParaRPr lang="en-GB" dirty="0"/>
+          </a:p>
+        </p:txBody>
+      </p:sp>
+      <p:sp>
+        <p:nvSpPr>
+          <p:cNvPr id="5" name="CasellaDiTesto 4">
+            <a:extLst>
+              <a:ext uri="{FF2B5EF4-FFF2-40B4-BE49-F238E27FC236}">
+                <a16:creationId xmlns:a16="http://schemas.microsoft.com/office/drawing/2014/main" id="{C3E503D6-A8DA-DF14-B3FE-30A9AB731B48}"/>
+              </a:ext>
+            </a:extLst>
+          </p:cNvPr>
+          <p:cNvSpPr txBox="1"/>
+          <p:nvPr/>
+        </p:nvSpPr>
+        <p:spPr>
+          <a:xfrm>
+            <a:off x="4651581" y="5255564"/>
+            <a:ext cx="857927" cy="261610"/>
+          </a:xfrm>
+          <a:prstGeom prst="rect">
+            <a:avLst/>
+          </a:prstGeom>
+          <a:noFill/>
+        </p:spPr>
+        <p:txBody>
+          <a:bodyPr wrap="none" rtlCol="0">
+            <a:spAutoFit/>
+          </a:bodyPr>
+          <a:lstStyle/>
+          <a:p>
+            <a:r>
+              <a:rPr lang="en-GB" sz="1100" dirty="0"/>
+              <a:t>QoS History</a:t>
+            </a:r>
+          </a:p>
+        </p:txBody>
+      </p:sp>
+    </p:spTree>
+    <p:extLst>
+      <p:ext uri="{BB962C8B-B14F-4D97-AF65-F5344CB8AC3E}">
+        <p14:creationId xmlns:p14="http://schemas.microsoft.com/office/powerpoint/2010/main" val="1556130965"/>
+      </p:ext>
+    </p:extLst>
+  </p:cSld>
+  <p:clrMapOvr>
+    <a:masterClrMapping/>
+  </p:clrMapOvr>
+</p:sld>
+</file>
+
+<file path=ppt/slides/slide3.xml><?xml version="1.0" encoding="utf-8"?>
+<p:sld xmlns:a="http://schemas.openxmlformats.org/drawingml/2006/main" xmlns:r="http://schemas.openxmlformats.org/officeDocument/2006/relationships" xmlns:p="http://schemas.openxmlformats.org/presentationml/2006/main">
+  <p:cSld>
+    <p:spTree>
+      <p:nvGrpSpPr>
+        <p:cNvPr id="1" name=""/>
+        <p:cNvGrpSpPr/>
+        <p:nvPr/>
+      </p:nvGrpSpPr>
+      <p:grpSpPr>
+        <a:xfrm>
+          <a:off x="0" y="0"/>
+          <a:ext cx="0" cy="0"/>
+          <a:chOff x="0" y="0"/>
+          <a:chExt cx="0" cy="0"/>
+        </a:xfrm>
+      </p:grpSpPr>
+      <p:sp>
+        <p:nvSpPr>
+          <p:cNvPr id="86" name="Rettangolo 85">
+            <a:extLst>
+              <a:ext uri="{FF2B5EF4-FFF2-40B4-BE49-F238E27FC236}">
+                <a16:creationId xmlns:a16="http://schemas.microsoft.com/office/drawing/2014/main" id="{535286B7-E41B-E572-52F2-67A5C76356A8}"/>
+              </a:ext>
+            </a:extLst>
+          </p:cNvPr>
+          <p:cNvSpPr/>
+          <p:nvPr/>
+        </p:nvSpPr>
+        <p:spPr>
+          <a:xfrm>
+            <a:off x="5408354" y="1993543"/>
+            <a:ext cx="289932" cy="412595"/>
+          </a:xfrm>
+          <a:prstGeom prst="rect">
+            <a:avLst/>
+          </a:prstGeom>
+          <a:pattFill prst="pct40">
+            <a:fgClr>
+              <a:srgbClr val="FF0000"/>
+            </a:fgClr>
+            <a:bgClr>
+              <a:schemeClr val="bg1"/>
+            </a:bgClr>
+          </a:pattFill>
+          <a:ln>
+            <a:solidFill>
+              <a:srgbClr val="FF0000"/>
+            </a:solidFill>
+          </a:ln>
+        </p:spPr>
+        <p:style>
+          <a:lnRef idx="2">
+            <a:schemeClr val="accent1">
+              <a:shade val="50000"/>
+            </a:schemeClr>
+          </a:lnRef>
+          <a:fillRef idx="1">
+            <a:schemeClr val="accent1"/>
+          </a:fillRef>
+          <a:effectRef idx="0">
+            <a:schemeClr val="accent1"/>
+          </a:effectRef>
+          <a:fontRef idx="minor">
+            <a:schemeClr val="lt1"/>
+          </a:fontRef>
+        </p:style>
+        <p:txBody>
+          <a:bodyPr rtlCol="0" anchor="ctr"/>
+          <a:lstStyle/>
+          <a:p>
+            <a:pPr algn="ctr"/>
+            <a:endParaRPr lang="en-GB" dirty="0"/>
+          </a:p>
+        </p:txBody>
+      </p:sp>
+      <p:sp>
+        <p:nvSpPr>
+          <p:cNvPr id="87" name="Rettangolo 86">
+            <a:extLst>
+              <a:ext uri="{FF2B5EF4-FFF2-40B4-BE49-F238E27FC236}">
+                <a16:creationId xmlns:a16="http://schemas.microsoft.com/office/drawing/2014/main" id="{03EB2BCD-0ECF-D653-E549-F9E7CB777859}"/>
+              </a:ext>
+            </a:extLst>
+          </p:cNvPr>
+          <p:cNvSpPr/>
+          <p:nvPr/>
+        </p:nvSpPr>
+        <p:spPr>
+          <a:xfrm>
+            <a:off x="5918106" y="1993543"/>
+            <a:ext cx="289932" cy="412595"/>
+          </a:xfrm>
+          <a:prstGeom prst="rect">
+            <a:avLst/>
+          </a:prstGeom>
+          <a:pattFill prst="pct40">
+            <a:fgClr>
+              <a:srgbClr val="FF0000"/>
+            </a:fgClr>
+            <a:bgClr>
+              <a:schemeClr val="bg1"/>
+            </a:bgClr>
+          </a:pattFill>
+          <a:ln>
+            <a:solidFill>
+              <a:srgbClr val="FF0000"/>
+            </a:solidFill>
+          </a:ln>
+        </p:spPr>
+        <p:style>
+          <a:lnRef idx="2">
+            <a:schemeClr val="accent1">
+              <a:shade val="50000"/>
+            </a:schemeClr>
+          </a:lnRef>
+          <a:fillRef idx="1">
+            <a:schemeClr val="accent1"/>
+          </a:fillRef>
+          <a:effectRef idx="0">
+            <a:schemeClr val="accent1"/>
+          </a:effectRef>
+          <a:fontRef idx="minor">
+            <a:schemeClr val="lt1"/>
+          </a:fontRef>
+        </p:style>
+        <p:txBody>
+          <a:bodyPr rtlCol="0" anchor="ctr"/>
+          <a:lstStyle/>
+          <a:p>
+            <a:pPr algn="ctr"/>
+            <a:endParaRPr lang="en-GB" dirty="0"/>
+          </a:p>
+        </p:txBody>
+      </p:sp>
+      <p:sp>
+        <p:nvSpPr>
+          <p:cNvPr id="88" name="CasellaDiTesto 87">
+            <a:extLst>
+              <a:ext uri="{FF2B5EF4-FFF2-40B4-BE49-F238E27FC236}">
+                <a16:creationId xmlns:a16="http://schemas.microsoft.com/office/drawing/2014/main" id="{6C3509C8-C573-DDFD-07C8-612FFE1A1135}"/>
+              </a:ext>
+            </a:extLst>
+          </p:cNvPr>
+          <p:cNvSpPr txBox="1"/>
+          <p:nvPr/>
+        </p:nvSpPr>
+        <p:spPr>
+          <a:xfrm>
+            <a:off x="6395819" y="2153458"/>
+            <a:ext cx="343364" cy="369332"/>
+          </a:xfrm>
+          <a:prstGeom prst="rect">
+            <a:avLst/>
+          </a:prstGeom>
+          <a:noFill/>
+        </p:spPr>
+        <p:txBody>
+          <a:bodyPr wrap="none" rtlCol="0">
+            <a:spAutoFit/>
+          </a:bodyPr>
+          <a:lstStyle/>
+          <a:p>
+            <a:r>
+              <a:rPr lang="en-GB" dirty="0"/>
+              <a:t>…</a:t>
+            </a:r>
+          </a:p>
+        </p:txBody>
+      </p:sp>
+      <p:sp>
+        <p:nvSpPr>
+          <p:cNvPr id="89" name="Rettangolo 88">
+            <a:extLst>
+              <a:ext uri="{FF2B5EF4-FFF2-40B4-BE49-F238E27FC236}">
+                <a16:creationId xmlns:a16="http://schemas.microsoft.com/office/drawing/2014/main" id="{4CB2A7DB-F467-55F6-0971-732643CADE87}"/>
+              </a:ext>
+            </a:extLst>
+          </p:cNvPr>
+          <p:cNvSpPr/>
+          <p:nvPr/>
+        </p:nvSpPr>
+        <p:spPr>
+          <a:xfrm>
+            <a:off x="6910117" y="1993543"/>
+            <a:ext cx="289932" cy="412595"/>
+          </a:xfrm>
+          <a:prstGeom prst="rect">
+            <a:avLst/>
+          </a:prstGeom>
+          <a:pattFill prst="pct40">
+            <a:fgClr>
+              <a:srgbClr val="FF0000"/>
+            </a:fgClr>
+            <a:bgClr>
+              <a:schemeClr val="bg1"/>
+            </a:bgClr>
+          </a:pattFill>
+          <a:ln>
+            <a:solidFill>
+              <a:srgbClr val="FF0000"/>
+            </a:solidFill>
+          </a:ln>
+        </p:spPr>
+        <p:style>
+          <a:lnRef idx="2">
+            <a:schemeClr val="accent1">
+              <a:shade val="50000"/>
+            </a:schemeClr>
+          </a:lnRef>
+          <a:fillRef idx="1">
+            <a:schemeClr val="accent1"/>
+          </a:fillRef>
+          <a:effectRef idx="0">
+            <a:schemeClr val="accent1"/>
+          </a:effectRef>
+          <a:fontRef idx="minor">
+            <a:schemeClr val="lt1"/>
+          </a:fontRef>
+        </p:style>
+        <p:txBody>
+          <a:bodyPr rtlCol="0" anchor="ctr"/>
+          <a:lstStyle/>
+          <a:p>
+            <a:pPr algn="ctr"/>
+            <a:endParaRPr lang="en-GB" dirty="0"/>
+          </a:p>
+        </p:txBody>
+      </p:sp>
+      <p:sp>
+        <p:nvSpPr>
+          <p:cNvPr id="90" name="Rettangolo 89">
+            <a:extLst>
+              <a:ext uri="{FF2B5EF4-FFF2-40B4-BE49-F238E27FC236}">
+                <a16:creationId xmlns:a16="http://schemas.microsoft.com/office/drawing/2014/main" id="{8F5D39CA-6351-CC93-E09F-2B4064A4D7E6}"/>
+              </a:ext>
+            </a:extLst>
+          </p:cNvPr>
+          <p:cNvSpPr/>
+          <p:nvPr/>
+        </p:nvSpPr>
+        <p:spPr>
+          <a:xfrm>
+            <a:off x="3404119" y="1993543"/>
+            <a:ext cx="289932" cy="412595"/>
+          </a:xfrm>
+          <a:prstGeom prst="rect">
+            <a:avLst/>
+          </a:prstGeom>
+          <a:pattFill prst="pct40">
+            <a:fgClr>
+              <a:srgbClr val="FF0000"/>
+            </a:fgClr>
+            <a:bgClr>
+              <a:schemeClr val="bg1"/>
+            </a:bgClr>
+          </a:pattFill>
+          <a:ln>
+            <a:solidFill>
+              <a:srgbClr val="FF0000"/>
+            </a:solidFill>
+          </a:ln>
+        </p:spPr>
+        <p:style>
+          <a:lnRef idx="2">
+            <a:schemeClr val="accent1">
+              <a:shade val="50000"/>
+            </a:schemeClr>
+          </a:lnRef>
+          <a:fillRef idx="1">
+            <a:schemeClr val="accent1"/>
+          </a:fillRef>
+          <a:effectRef idx="0">
+            <a:schemeClr val="accent1"/>
+          </a:effectRef>
+          <a:fontRef idx="minor">
+            <a:schemeClr val="lt1"/>
+          </a:fontRef>
+        </p:style>
+        <p:txBody>
+          <a:bodyPr rtlCol="0" anchor="ctr"/>
+          <a:lstStyle/>
+          <a:p>
+            <a:pPr algn="ctr"/>
+            <a:endParaRPr lang="en-GB" dirty="0"/>
+          </a:p>
+        </p:txBody>
+      </p:sp>
+      <p:sp>
+        <p:nvSpPr>
+          <p:cNvPr id="91" name="Rettangolo 90">
+            <a:extLst>
+              <a:ext uri="{FF2B5EF4-FFF2-40B4-BE49-F238E27FC236}">
+                <a16:creationId xmlns:a16="http://schemas.microsoft.com/office/drawing/2014/main" id="{7F1069CF-AB81-447B-F41A-5CF902947103}"/>
+              </a:ext>
+            </a:extLst>
+          </p:cNvPr>
+          <p:cNvSpPr/>
+          <p:nvPr/>
+        </p:nvSpPr>
+        <p:spPr>
+          <a:xfrm>
+            <a:off x="3913871" y="1993543"/>
+            <a:ext cx="289932" cy="412595"/>
+          </a:xfrm>
+          <a:prstGeom prst="rect">
+            <a:avLst/>
+          </a:prstGeom>
+          <a:pattFill prst="pct40">
+            <a:fgClr>
+              <a:srgbClr val="FF0000"/>
+            </a:fgClr>
+            <a:bgClr>
+              <a:schemeClr val="bg1"/>
+            </a:bgClr>
+          </a:pattFill>
+          <a:ln>
+            <a:solidFill>
+              <a:srgbClr val="FF0000"/>
+            </a:solidFill>
+          </a:ln>
+        </p:spPr>
+        <p:style>
+          <a:lnRef idx="2">
+            <a:schemeClr val="accent1">
+              <a:shade val="50000"/>
+            </a:schemeClr>
+          </a:lnRef>
+          <a:fillRef idx="1">
+            <a:schemeClr val="accent1"/>
+          </a:fillRef>
+          <a:effectRef idx="0">
+            <a:schemeClr val="accent1"/>
+          </a:effectRef>
+          <a:fontRef idx="minor">
+            <a:schemeClr val="lt1"/>
+          </a:fontRef>
+        </p:style>
+        <p:txBody>
+          <a:bodyPr rtlCol="0" anchor="ctr"/>
+          <a:lstStyle/>
+          <a:p>
+            <a:pPr algn="ctr"/>
+            <a:endParaRPr lang="en-GB" dirty="0"/>
+          </a:p>
+        </p:txBody>
+      </p:sp>
+      <p:sp>
+        <p:nvSpPr>
+          <p:cNvPr id="92" name="CasellaDiTesto 91">
+            <a:extLst>
+              <a:ext uri="{FF2B5EF4-FFF2-40B4-BE49-F238E27FC236}">
+                <a16:creationId xmlns:a16="http://schemas.microsoft.com/office/drawing/2014/main" id="{D2265E0A-0D79-0082-89A6-3C5D10E0889E}"/>
+              </a:ext>
+            </a:extLst>
+          </p:cNvPr>
+          <p:cNvSpPr txBox="1"/>
+          <p:nvPr/>
+        </p:nvSpPr>
+        <p:spPr>
+          <a:xfrm>
+            <a:off x="4391584" y="2153458"/>
+            <a:ext cx="343364" cy="369332"/>
+          </a:xfrm>
+          <a:prstGeom prst="rect">
+            <a:avLst/>
+          </a:prstGeom>
+          <a:noFill/>
+        </p:spPr>
+        <p:txBody>
+          <a:bodyPr wrap="none" rtlCol="0">
+            <a:spAutoFit/>
+          </a:bodyPr>
+          <a:lstStyle/>
+          <a:p>
+            <a:r>
+              <a:rPr lang="en-GB" dirty="0"/>
+              <a:t>…</a:t>
+            </a:r>
+          </a:p>
+        </p:txBody>
+      </p:sp>
+      <p:sp>
+        <p:nvSpPr>
+          <p:cNvPr id="93" name="Rettangolo 92">
+            <a:extLst>
+              <a:ext uri="{FF2B5EF4-FFF2-40B4-BE49-F238E27FC236}">
+                <a16:creationId xmlns:a16="http://schemas.microsoft.com/office/drawing/2014/main" id="{790DC27D-71AC-4C28-E72B-A7B794063AF9}"/>
+              </a:ext>
+            </a:extLst>
+          </p:cNvPr>
+          <p:cNvSpPr/>
+          <p:nvPr/>
+        </p:nvSpPr>
+        <p:spPr>
+          <a:xfrm>
+            <a:off x="4905882" y="1993543"/>
+            <a:ext cx="289932" cy="412595"/>
+          </a:xfrm>
+          <a:prstGeom prst="rect">
+            <a:avLst/>
+          </a:prstGeom>
+          <a:pattFill prst="pct40">
+            <a:fgClr>
+              <a:srgbClr val="FF0000"/>
+            </a:fgClr>
+            <a:bgClr>
+              <a:schemeClr val="bg1"/>
+            </a:bgClr>
+          </a:pattFill>
+          <a:ln>
+            <a:solidFill>
+              <a:srgbClr val="FF0000"/>
+            </a:solidFill>
+          </a:ln>
+        </p:spPr>
+        <p:style>
+          <a:lnRef idx="2">
+            <a:schemeClr val="accent1">
+              <a:shade val="50000"/>
+            </a:schemeClr>
+          </a:lnRef>
+          <a:fillRef idx="1">
+            <a:schemeClr val="accent1"/>
+          </a:fillRef>
+          <a:effectRef idx="0">
+            <a:schemeClr val="accent1"/>
+          </a:effectRef>
+          <a:fontRef idx="minor">
+            <a:schemeClr val="lt1"/>
+          </a:fontRef>
+        </p:style>
+        <p:txBody>
+          <a:bodyPr rtlCol="0" anchor="ctr"/>
+          <a:lstStyle/>
+          <a:p>
+            <a:pPr algn="ctr"/>
+            <a:endParaRPr lang="en-GB" dirty="0"/>
+          </a:p>
+        </p:txBody>
+      </p:sp>
+      <mc:AlternateContent xmlns:mc="http://schemas.openxmlformats.org/markup-compatibility/2006" xmlns:a14="http://schemas.microsoft.com/office/drawing/2010/main">
+        <mc:Choice Requires="a14">
+          <p:sp>
+            <p:nvSpPr>
+              <p:cNvPr id="94" name="CasellaDiTesto 93">
+                <a:extLst>
+                  <a:ext uri="{FF2B5EF4-FFF2-40B4-BE49-F238E27FC236}">
+                    <a16:creationId xmlns:a16="http://schemas.microsoft.com/office/drawing/2014/main" id="{2D8CBC0A-F4FC-E7A0-31CB-F40C7F8F5848}"/>
+                  </a:ext>
+                </a:extLst>
+              </p:cNvPr>
+              <p:cNvSpPr txBox="1"/>
+              <p:nvPr/>
+            </p:nvSpPr>
+            <p:spPr>
+              <a:xfrm>
+                <a:off x="2193858" y="2107273"/>
+                <a:ext cx="601575" cy="215444"/>
+              </a:xfrm>
+              <a:prstGeom prst="rect">
+                <a:avLst/>
+              </a:prstGeom>
+              <a:noFill/>
+            </p:spPr>
+            <p:txBody>
+              <a:bodyPr wrap="none" lIns="0" tIns="0" rIns="0" bIns="0" rtlCol="0">
+                <a:spAutoFit/>
+              </a:bodyPr>
+              <a:lstStyle/>
+              <a:p>
+                <a:pPr/>
+                <a14:m>
+                  <m:oMathPara xmlns:m="http://schemas.openxmlformats.org/officeDocument/2006/math">
+                    <m:oMathParaPr>
+                      <m:jc m:val="centerGroup"/>
+                    </m:oMathParaPr>
+                    <m:oMath xmlns:m="http://schemas.openxmlformats.org/officeDocument/2006/math">
+                      <m:r>
+                        <a:rPr lang="it-IT" sz="1400" b="0" i="1" smtClean="0">
+                          <a:latin typeface="Cambria Math" panose="02040503050406030204" pitchFamily="18" charset="0"/>
+                        </a:rPr>
+                        <m:t>𝐴𝐹𝑇𝐸𝑅</m:t>
+                      </m:r>
+                    </m:oMath>
+                  </m:oMathPara>
+                </a14:m>
+                <a:endParaRPr lang="en-GB" sz="1400" dirty="0"/>
+              </a:p>
+            </p:txBody>
+          </p:sp>
+        </mc:Choice>
+        <mc:Fallback xmlns="">
+          <p:sp>
+            <p:nvSpPr>
+              <p:cNvPr id="94" name="CasellaDiTesto 93">
+                <a:extLst>
+                  <a:ext uri="{FF2B5EF4-FFF2-40B4-BE49-F238E27FC236}">
+                    <a16:creationId xmlns:a16="http://schemas.microsoft.com/office/drawing/2014/main" id="{2D8CBC0A-F4FC-E7A0-31CB-F40C7F8F5848}"/>
+                  </a:ext>
+                </a:extLst>
+              </p:cNvPr>
+              <p:cNvSpPr txBox="1">
+                <a:spLocks noRot="1" noChangeAspect="1" noMove="1" noResize="1" noEditPoints="1" noAdjustHandles="1" noChangeArrowheads="1" noChangeShapeType="1" noTextEdit="1"/>
+              </p:cNvSpPr>
+              <p:nvPr/>
+            </p:nvSpPr>
+            <p:spPr>
+              <a:xfrm>
                 <a:off x="2193858" y="2107273"/>
                 <a:ext cx="601575" cy="215444"/>
               </a:xfrm>
@@ -12026,8 +12379,8 @@
           </a:p>
         </p:txBody>
       </p:sp>
-      <mc:AlternateContent xmlns:mc="http://schemas.openxmlformats.org/markup-compatibility/2006">
-        <mc:Choice xmlns:a14="http://schemas.microsoft.com/office/drawing/2010/main" Requires="a14">
+      <mc:AlternateContent xmlns:mc="http://schemas.openxmlformats.org/markup-compatibility/2006" xmlns:a14="http://schemas.microsoft.com/office/drawing/2010/main">
+        <mc:Choice Requires="a14">
           <p:sp>
             <p:nvSpPr>
               <p:cNvPr id="14" name="CasellaDiTesto 13">
@@ -12056,6 +12409,7 @@
               </a:bodyPr>
               <a:lstStyle/>
               <a:p>
+                <a:pPr/>
                 <a14:m>
                   <m:oMathPara xmlns:m="http://schemas.openxmlformats.org/officeDocument/2006/math">
                     <m:oMathParaPr>
@@ -12136,6 +12490,7 @@
                 </a:endParaRPr>
               </a:p>
               <a:p>
+                <a:pPr/>
                 <a14:m>
                   <m:oMathPara xmlns:m="http://schemas.openxmlformats.org/officeDocument/2006/math">
                     <m:oMathParaPr>
@@ -12204,7 +12559,7 @@
             </p:txBody>
           </p:sp>
         </mc:Choice>
-        <mc:Fallback>
+        <mc:Fallback xmlns="">
           <p:sp>
             <p:nvSpPr>
               <p:cNvPr id="14" name="CasellaDiTesto 13">
@@ -12293,8 +12648,8 @@
           </a:p>
         </p:txBody>
       </p:sp>
-      <mc:AlternateContent xmlns:mc="http://schemas.openxmlformats.org/markup-compatibility/2006">
-        <mc:Choice xmlns:a14="http://schemas.microsoft.com/office/drawing/2010/main" Requires="a14">
+      <mc:AlternateContent xmlns:mc="http://schemas.openxmlformats.org/markup-compatibility/2006" xmlns:a14="http://schemas.microsoft.com/office/drawing/2010/main">
+        <mc:Choice Requires="a14">
           <p:sp>
             <p:nvSpPr>
               <p:cNvPr id="16" name="CasellaDiTesto 15">
@@ -12342,7 +12697,7 @@
             </p:txBody>
           </p:sp>
         </mc:Choice>
-        <mc:Fallback>
+        <mc:Fallback xmlns="">
           <p:sp>
             <p:nvSpPr>
               <p:cNvPr id="16" name="CasellaDiTesto 15">
